--- a/PPT/第06讲_投资优化策略.pptx
+++ b/PPT/第06讲_投资优化策略.pptx
@@ -9,9 +9,9 @@
   </p:notesMasterIdLst>
   <p:sldIdLst>
     <p:sldId id="285" r:id="rId2"/>
-    <p:sldId id="288" r:id="rId3"/>
-    <p:sldId id="517" r:id="rId4"/>
-    <p:sldId id="257" r:id="rId5"/>
+    <p:sldId id="257" r:id="rId3"/>
+    <p:sldId id="288" r:id="rId4"/>
+    <p:sldId id="517" r:id="rId5"/>
     <p:sldId id="286" r:id="rId6"/>
     <p:sldId id="430" r:id="rId7"/>
     <p:sldId id="317" r:id="rId8"/>
@@ -265,7 +265,7 @@
           <a:p>
             <a:fld id="{7F25A8C7-CC1A-4A08-9B4B-31F43B054C7F}" type="datetimeFigureOut">
               <a:rPr lang="zh-CN" altLang="en-US" smtClean="0"/>
-              <a:t>2022/8/17</a:t>
+              <a:t>2022/10/11</a:t>
             </a:fld>
             <a:endParaRPr lang="zh-CN" altLang="en-US"/>
           </a:p>
@@ -840,7 +840,7 @@
           <a:p>
             <a:fld id="{D997B5FA-0921-464F-AAE1-844C04324D75}" type="datetimeFigureOut">
               <a:rPr lang="zh-CN" altLang="en-US" smtClean="0"/>
-              <a:t>2022/8/17</a:t>
+              <a:t>2022/10/11</a:t>
             </a:fld>
             <a:endParaRPr lang="zh-CN" altLang="en-US" dirty="0"/>
           </a:p>
@@ -957,7 +957,7 @@
           <a:p>
             <a:fld id="{760FBDFE-C587-4B4C-A407-44438C67B59E}" type="datetimeFigureOut">
               <a:rPr lang="zh-CN" altLang="en-US" smtClean="0"/>
-              <a:t>2022/8/17</a:t>
+              <a:t>2022/10/11</a:t>
             </a:fld>
             <a:endParaRPr lang="zh-CN" altLang="en-US"/>
           </a:p>
@@ -1157,7 +1157,7 @@
           <a:p>
             <a:fld id="{263DB197-84B0-484E-9C0F-88358ECCB797}" type="datetimeFigureOut">
               <a:rPr lang="zh-CN" altLang="en-US" smtClean="0"/>
-              <a:t>2022/8/17</a:t>
+              <a:t>2022/10/11</a:t>
             </a:fld>
             <a:endParaRPr lang="zh-CN" altLang="en-US"/>
           </a:p>
@@ -1373,7 +1373,7 @@
           <a:p>
             <a:fld id="{760FBDFE-C587-4B4C-A407-44438C67B59E}" type="datetimeFigureOut">
               <a:rPr lang="zh-CN" altLang="en-US" smtClean="0"/>
-              <a:t>2022/8/17</a:t>
+              <a:t>2022/10/11</a:t>
             </a:fld>
             <a:endParaRPr lang="zh-CN" altLang="en-US" dirty="0"/>
           </a:p>
@@ -1490,7 +1490,7 @@
           <a:p>
             <a:fld id="{20DD7636-5BE1-44BC-BB5F-15739D9E18E1}" type="datetimeFigureOut">
               <a:rPr lang="zh-CN" altLang="en-US" smtClean="0"/>
-              <a:t>2022/8/17</a:t>
+              <a:t>2022/10/11</a:t>
             </a:fld>
             <a:endParaRPr lang="zh-CN" altLang="en-US"/>
           </a:p>
@@ -1779,7 +1779,7 @@
           <a:p>
             <a:fld id="{760FBDFE-C587-4B4C-A407-44438C67B59E}" type="datetimeFigureOut">
               <a:rPr lang="zh-CN" altLang="en-US" smtClean="0"/>
-              <a:t>2022/8/17</a:t>
+              <a:t>2022/10/11</a:t>
             </a:fld>
             <a:endParaRPr lang="zh-CN" altLang="en-US"/>
           </a:p>
@@ -2165,7 +2165,7 @@
           <a:p>
             <a:fld id="{760FBDFE-C587-4B4C-A407-44438C67B59E}" type="datetimeFigureOut">
               <a:rPr lang="zh-CN" altLang="en-US" smtClean="0"/>
-              <a:t>2022/8/17</a:t>
+              <a:t>2022/10/11</a:t>
             </a:fld>
             <a:endParaRPr lang="zh-CN" altLang="en-US"/>
           </a:p>
@@ -2319,7 +2319,7 @@
           <a:p>
             <a:fld id="{20DD7636-5BE1-44BC-BB5F-15739D9E18E1}" type="datetimeFigureOut">
               <a:rPr lang="zh-CN" altLang="en-US" smtClean="0"/>
-              <a:t>2022/8/17</a:t>
+              <a:t>2022/10/11</a:t>
             </a:fld>
             <a:endParaRPr lang="zh-CN" altLang="en-US"/>
           </a:p>
@@ -2475,7 +2475,7 @@
           <a:p>
             <a:fld id="{760FBDFE-C587-4B4C-A407-44438C67B59E}" type="datetimeFigureOut">
               <a:rPr lang="zh-CN" altLang="en-US" smtClean="0"/>
-              <a:t>2022/8/17</a:t>
+              <a:t>2022/10/11</a:t>
             </a:fld>
             <a:endParaRPr lang="zh-CN" altLang="en-US"/>
           </a:p>
@@ -2753,7 +2753,7 @@
           <a:p>
             <a:fld id="{9EFD9D74-47D9-4702-A33C-335B63B48DBF}" type="datetimeFigureOut">
               <a:rPr lang="zh-CN" altLang="en-US" smtClean="0"/>
-              <a:t>2022/8/17</a:t>
+              <a:t>2022/10/11</a:t>
             </a:fld>
             <a:endParaRPr lang="zh-CN" altLang="en-US" dirty="0"/>
           </a:p>
@@ -2959,7 +2959,7 @@
           <a:p>
             <a:fld id="{760FBDFE-C587-4B4C-A407-44438C67B59E}" type="datetimeFigureOut">
               <a:rPr lang="zh-CN" altLang="en-US" smtClean="0"/>
-              <a:t>2022/8/17</a:t>
+              <a:t>2022/10/11</a:t>
             </a:fld>
             <a:endParaRPr lang="zh-CN" altLang="en-US"/>
           </a:p>
@@ -3970,7 +3970,7 @@
         </p:blipFill>
         <p:spPr>
           <a:xfrm>
-            <a:off x="-91359" y="11325"/>
+            <a:off x="-101600" y="11325"/>
             <a:ext cx="12293600" cy="6915150"/>
           </a:xfrm>
           <a:prstGeom prst="rect">
@@ -3986,8 +3986,8 @@
         </p:nvSpPr>
         <p:spPr>
           <a:xfrm>
-            <a:off x="6349365" y="1848485"/>
-            <a:ext cx="2864485" cy="3115945"/>
+            <a:off x="6349365" y="2246630"/>
+            <a:ext cx="2864485" cy="2717800"/>
           </a:xfrm>
           <a:prstGeom prst="ellipse">
             <a:avLst/>
@@ -4034,8 +4034,8 @@
         </p:nvSpPr>
         <p:spPr>
           <a:xfrm>
-            <a:off x="1310640" y="1476375"/>
-            <a:ext cx="10107930" cy="1322070"/>
+            <a:off x="2810360" y="2346200"/>
+            <a:ext cx="10107930" cy="923330"/>
           </a:xfrm>
           <a:prstGeom prst="rect">
             <a:avLst/>
@@ -4049,7 +4049,7 @@
           <a:lstStyle/>
           <a:p>
             <a:r>
-              <a:rPr lang="zh-CN" altLang="en-US" sz="8000" b="1" dirty="0">
+              <a:rPr lang="zh-CN" altLang="en-US" sz="5400" b="1" dirty="0">
                 <a:solidFill>
                   <a:srgbClr val="C00000"/>
                 </a:solidFill>
@@ -4059,7 +4059,7 @@
               <a:t>第</a:t>
             </a:r>
             <a:r>
-              <a:rPr lang="en-US" altLang="zh-CN" sz="8000" b="1" dirty="0">
+              <a:rPr lang="en-US" altLang="zh-CN" sz="5400" b="1" dirty="0">
                 <a:solidFill>
                   <a:srgbClr val="C00000"/>
                 </a:solidFill>
@@ -4069,7 +4069,7 @@
               <a:t>06</a:t>
             </a:r>
             <a:r>
-              <a:rPr lang="zh-CN" altLang="en-US" sz="8000" b="1" dirty="0">
+              <a:rPr lang="zh-CN" altLang="en-US" sz="5400" b="1" dirty="0">
                 <a:solidFill>
                   <a:srgbClr val="C00000"/>
                 </a:solidFill>
@@ -4280,8 +4280,8 @@
         </p:nvSpPr>
         <p:spPr>
           <a:xfrm>
-            <a:off x="-1211580" y="-1113155"/>
-            <a:ext cx="2864485" cy="3115945"/>
+            <a:off x="-54125" y="394970"/>
+            <a:ext cx="2864485" cy="2793549"/>
           </a:xfrm>
           <a:prstGeom prst="ellipse">
             <a:avLst/>
@@ -4328,8 +4328,8 @@
         </p:nvSpPr>
         <p:spPr>
           <a:xfrm>
-            <a:off x="10217785" y="5241290"/>
-            <a:ext cx="2864485" cy="3115945"/>
+            <a:off x="9108163" y="3962400"/>
+            <a:ext cx="2864485" cy="2842202"/>
           </a:xfrm>
           <a:prstGeom prst="ellipse">
             <a:avLst/>
@@ -4472,8 +4472,8 @@
         </p:nvSpPr>
         <p:spPr>
           <a:xfrm>
-            <a:off x="4865883" y="3596532"/>
-            <a:ext cx="2468880" cy="1014730"/>
+            <a:off x="5109938" y="3932189"/>
+            <a:ext cx="1877437" cy="769441"/>
           </a:xfrm>
           <a:prstGeom prst="rect">
             <a:avLst/>
@@ -4487,7 +4487,7 @@
           <a:lstStyle/>
           <a:p>
             <a:r>
-              <a:rPr lang="zh-CN" altLang="en-US" sz="6000" dirty="0">
+              <a:rPr lang="zh-CN" altLang="en-US" sz="4400" dirty="0">
                 <a:solidFill>
                   <a:srgbClr val="C00000"/>
                 </a:solidFill>
@@ -4495,6 +4495,77 @@
                 <a:ea typeface="华文楷体" panose="02010600040101010101" pitchFamily="2" charset="-122"/>
               </a:rPr>
               <a:t>罗志坤</a:t>
+            </a:r>
+          </a:p>
+        </p:txBody>
+      </p:sp>
+      <p:sp>
+        <p:nvSpPr>
+          <p:cNvPr id="7" name="文本框 6">
+            <a:extLst>
+              <a:ext uri="{FF2B5EF4-FFF2-40B4-BE49-F238E27FC236}">
+                <a16:creationId xmlns:a16="http://schemas.microsoft.com/office/drawing/2014/main" id="{CD01A23E-C2AC-8326-2AEC-FA07DFAF4A52}"/>
+              </a:ext>
+            </a:extLst>
+          </p:cNvPr>
+          <p:cNvSpPr txBox="1"/>
+          <p:nvPr/>
+        </p:nvSpPr>
+        <p:spPr>
+          <a:xfrm>
+            <a:off x="450850" y="717559"/>
+            <a:ext cx="7058343" cy="461665"/>
+          </a:xfrm>
+          <a:prstGeom prst="rect">
+            <a:avLst/>
+          </a:prstGeom>
+          <a:noFill/>
+        </p:spPr>
+        <p:txBody>
+          <a:bodyPr wrap="none" rtlCol="0">
+            <a:spAutoFit/>
+          </a:bodyPr>
+          <a:lstStyle/>
+          <a:p>
+            <a:r>
+              <a:rPr lang="zh-CN" altLang="en-US" sz="2400" dirty="0">
+                <a:solidFill>
+                  <a:srgbClr val="C00000"/>
+                </a:solidFill>
+              </a:rPr>
+              <a:t>张敬信</a:t>
+            </a:r>
+            <a:r>
+              <a:rPr lang="en-US" altLang="zh-CN" sz="2400" dirty="0">
+                <a:solidFill>
+                  <a:srgbClr val="C00000"/>
+                </a:solidFill>
+              </a:rPr>
+              <a:t>-《</a:t>
+            </a:r>
+            <a:r>
+              <a:rPr lang="zh-CN" altLang="en-US" sz="2400" dirty="0">
+                <a:solidFill>
+                  <a:srgbClr val="C00000"/>
+                </a:solidFill>
+              </a:rPr>
+              <a:t>数学建模：算法与编程实现</a:t>
+            </a:r>
+            <a:r>
+              <a:rPr lang="en-US" altLang="zh-CN" sz="2400" dirty="0">
+                <a:solidFill>
+                  <a:srgbClr val="C00000"/>
+                </a:solidFill>
+              </a:rPr>
+              <a:t>》</a:t>
+            </a:r>
+            <a:r>
+              <a:rPr lang="zh-CN" altLang="en-US" sz="2400" dirty="0">
+                <a:solidFill>
+                  <a:srgbClr val="C00000"/>
+                </a:solidFill>
+              </a:rPr>
+              <a:t>，配套课件</a:t>
             </a:r>
           </a:p>
         </p:txBody>
@@ -5131,7 +5202,47 @@
                         <a:latin typeface="Cambria Math" panose="02040503050406030204" charset="0"/>
                         <a:cs typeface="Cambria Math" panose="02040503050406030204" charset="0"/>
                       </a:rPr>
-                      <m:t>=1.95, </m:t>
+                      <m:t>=</m:t>
+                    </m:r>
+                    <m:r>
+                      <a:rPr lang="en-US" i="1">
+                        <a:solidFill>
+                          <a:schemeClr val="tx1"/>
+                        </a:solidFill>
+                        <a:latin typeface="Cambria Math" panose="02040503050406030204" charset="0"/>
+                        <a:cs typeface="Cambria Math" panose="02040503050406030204" charset="0"/>
+                      </a:rPr>
+                      <m:t>1</m:t>
+                    </m:r>
+                    <m:r>
+                      <a:rPr lang="en-US" i="1">
+                        <a:solidFill>
+                          <a:schemeClr val="tx1"/>
+                        </a:solidFill>
+                        <a:latin typeface="Cambria Math" panose="02040503050406030204" charset="0"/>
+                        <a:cs typeface="Cambria Math" panose="02040503050406030204" charset="0"/>
+                      </a:rPr>
+                      <m:t>.</m:t>
+                    </m:r>
+                    <m:r>
+                      <a:rPr lang="en-US" i="1">
+                        <a:solidFill>
+                          <a:schemeClr val="tx1"/>
+                        </a:solidFill>
+                        <a:latin typeface="Cambria Math" panose="02040503050406030204" charset="0"/>
+                        <a:cs typeface="Cambria Math" panose="02040503050406030204" charset="0"/>
+                      </a:rPr>
+                      <m:t>95</m:t>
+                    </m:r>
+                    <m:r>
+                      <a:rPr lang="en-US" i="1">
+                        <a:solidFill>
+                          <a:schemeClr val="tx1"/>
+                        </a:solidFill>
+                        <a:latin typeface="Cambria Math" panose="02040503050406030204" charset="0"/>
+                        <a:cs typeface="Cambria Math" panose="02040503050406030204" charset="0"/>
+                      </a:rPr>
+                      <m:t>, </m:t>
                     </m:r>
                     <m:sSub>
                       <m:sSubPr>
@@ -5178,7 +5289,37 @@
                         <a:latin typeface="Cambria Math" panose="02040503050406030204" charset="0"/>
                         <a:cs typeface="Cambria Math" panose="02040503050406030204" charset="0"/>
                       </a:rPr>
-                      <m:t>=1.05</m:t>
+                      <m:t>=</m:t>
+                    </m:r>
+                    <m:r>
+                      <a:rPr lang="en-US" i="1">
+                        <a:solidFill>
+                          <a:schemeClr val="tx1"/>
+                        </a:solidFill>
+                        <a:latin typeface="Cambria Math" panose="02040503050406030204" charset="0"/>
+                        <a:cs typeface="Cambria Math" panose="02040503050406030204" charset="0"/>
+                      </a:rPr>
+                      <m:t>1</m:t>
+                    </m:r>
+                    <m:r>
+                      <a:rPr lang="en-US" i="1">
+                        <a:solidFill>
+                          <a:schemeClr val="tx1"/>
+                        </a:solidFill>
+                        <a:latin typeface="Cambria Math" panose="02040503050406030204" charset="0"/>
+                        <a:cs typeface="Cambria Math" panose="02040503050406030204" charset="0"/>
+                      </a:rPr>
+                      <m:t>.</m:t>
+                    </m:r>
+                    <m:r>
+                      <a:rPr lang="en-US" i="1">
+                        <a:solidFill>
+                          <a:schemeClr val="tx1"/>
+                        </a:solidFill>
+                        <a:latin typeface="Cambria Math" panose="02040503050406030204" charset="0"/>
+                        <a:cs typeface="Cambria Math" panose="02040503050406030204" charset="0"/>
+                      </a:rPr>
+                      <m:t>05</m:t>
                     </m:r>
                   </m:oMath>
                 </a14:m>
@@ -8406,311 +8547,1154 @@
           <a:chExt cx="0" cy="0"/>
         </a:xfrm>
       </p:grpSpPr>
+      <p:grpSp>
+        <p:nvGrpSpPr>
+          <p:cNvPr id="12" name="组合 11"/>
+          <p:cNvGrpSpPr/>
+          <p:nvPr/>
+        </p:nvGrpSpPr>
+        <p:grpSpPr>
+          <a:xfrm>
+            <a:off x="1680122" y="2273400"/>
+            <a:ext cx="2629437" cy="2493177"/>
+            <a:chOff x="3028" y="3041"/>
+            <a:chExt cx="5420" cy="5361"/>
+          </a:xfrm>
+        </p:grpSpPr>
+        <p:sp>
+          <p:nvSpPr>
+            <p:cNvPr id="9" name="椭圆 8"/>
+            <p:cNvSpPr/>
+            <p:nvPr/>
+          </p:nvSpPr>
+          <p:spPr>
+            <a:xfrm>
+              <a:off x="3028" y="3041"/>
+              <a:ext cx="4511" cy="4907"/>
+            </a:xfrm>
+            <a:prstGeom prst="ellipse">
+              <a:avLst/>
+            </a:prstGeom>
+            <a:solidFill>
+              <a:srgbClr val="C0C9BE">
+                <a:alpha val="74000"/>
+              </a:srgbClr>
+            </a:solidFill>
+            <a:ln>
+              <a:noFill/>
+            </a:ln>
+          </p:spPr>
+          <p:style>
+            <a:lnRef idx="2">
+              <a:schemeClr val="accent1">
+                <a:shade val="50000"/>
+              </a:schemeClr>
+            </a:lnRef>
+            <a:fillRef idx="1">
+              <a:schemeClr val="accent1"/>
+            </a:fillRef>
+            <a:effectRef idx="0">
+              <a:schemeClr val="accent1"/>
+            </a:effectRef>
+            <a:fontRef idx="minor">
+              <a:schemeClr val="lt1"/>
+            </a:fontRef>
+          </p:style>
+          <p:txBody>
+            <a:bodyPr rtlCol="0" anchor="ctr"/>
+            <a:lstStyle/>
+            <a:p>
+              <a:pPr algn="ctr"/>
+              <a:endParaRPr lang="zh-CN" altLang="en-US"/>
+            </a:p>
+          </p:txBody>
+        </p:sp>
+        <p:sp>
+          <p:nvSpPr>
+            <p:cNvPr id="10" name="椭圆 9"/>
+            <p:cNvSpPr/>
+            <p:nvPr/>
+          </p:nvSpPr>
+          <p:spPr>
+            <a:xfrm>
+              <a:off x="3937" y="3495"/>
+              <a:ext cx="4511" cy="4907"/>
+            </a:xfrm>
+            <a:prstGeom prst="ellipse">
+              <a:avLst/>
+            </a:prstGeom>
+            <a:noFill/>
+            <a:ln>
+              <a:solidFill>
+                <a:srgbClr val="90A08D"/>
+              </a:solidFill>
+              <a:prstDash val="lgDashDot"/>
+            </a:ln>
+          </p:spPr>
+          <p:style>
+            <a:lnRef idx="2">
+              <a:schemeClr val="accent1">
+                <a:shade val="50000"/>
+              </a:schemeClr>
+            </a:lnRef>
+            <a:fillRef idx="1">
+              <a:schemeClr val="accent1"/>
+            </a:fillRef>
+            <a:effectRef idx="0">
+              <a:schemeClr val="accent1"/>
+            </a:effectRef>
+            <a:fontRef idx="minor">
+              <a:schemeClr val="lt1"/>
+            </a:fontRef>
+          </p:style>
+          <p:txBody>
+            <a:bodyPr rtlCol="0" anchor="ctr"/>
+            <a:lstStyle/>
+            <a:p>
+              <a:pPr algn="ctr"/>
+              <a:endParaRPr lang="zh-CN" altLang="en-US"/>
+            </a:p>
+          </p:txBody>
+        </p:sp>
+      </p:grpSp>
+      <p:grpSp>
+        <p:nvGrpSpPr>
+          <p:cNvPr id="5" name="组合 4"/>
+          <p:cNvGrpSpPr/>
+          <p:nvPr/>
+        </p:nvGrpSpPr>
+        <p:grpSpPr>
+          <a:xfrm>
+            <a:off x="5351780" y="2101850"/>
+            <a:ext cx="4916805" cy="2454275"/>
+            <a:chOff x="8428" y="2061"/>
+            <a:chExt cx="7743" cy="3865"/>
+          </a:xfrm>
+        </p:grpSpPr>
+        <p:sp>
+          <p:nvSpPr>
+            <p:cNvPr id="11" name="TextBox 32"/>
+            <p:cNvSpPr txBox="1">
+              <a:spLocks noChangeArrowheads="1"/>
+            </p:cNvSpPr>
+            <p:nvPr/>
+          </p:nvSpPr>
+          <p:spPr bwMode="auto">
+            <a:xfrm>
+              <a:off x="10198" y="5015"/>
+              <a:ext cx="5855" cy="725"/>
+            </a:xfrm>
+            <a:prstGeom prst="rect">
+              <a:avLst/>
+            </a:prstGeom>
+            <a:noFill/>
+            <a:ln>
+              <a:noFill/>
+            </a:ln>
+            <a:extLst>
+              <a:ext uri="{909E8E84-426E-40DD-AFC4-6F175D3DCCD1}">
+                <a14:hiddenFill xmlns:a14="http://schemas.microsoft.com/office/drawing/2010/main">
+                  <a:solidFill>
+                    <a:srgbClr val="FFFFFF"/>
+                  </a:solidFill>
+                </a14:hiddenFill>
+              </a:ext>
+              <a:ext uri="{91240B29-F687-4F45-9708-019B960494DF}">
+                <a14:hiddenLine xmlns:a14="http://schemas.microsoft.com/office/drawing/2010/main" w="9525">
+                  <a:solidFill>
+                    <a:srgbClr val="000000"/>
+                  </a:solidFill>
+                  <a:miter lim="800000"/>
+                  <a:headEnd/>
+                  <a:tailEnd/>
+                </a14:hiddenLine>
+              </a:ext>
+            </a:extLst>
+          </p:spPr>
+          <p:txBody>
+            <a:bodyPr wrap="square">
+              <a:spAutoFit/>
+            </a:bodyPr>
+            <a:lstStyle>
+              <a:lvl1pPr eaLnBrk="0" hangingPunct="0">
+                <a:defRPr>
+                  <a:solidFill>
+                    <a:schemeClr val="tx1"/>
+                  </a:solidFill>
+                  <a:latin typeface="Calibri" panose="020F0502020204030204" pitchFamily="34" charset="0"/>
+                  <a:ea typeface="宋体" panose="02010600030101010101" pitchFamily="2" charset="-122"/>
+                </a:defRPr>
+              </a:lvl1pPr>
+              <a:lvl2pPr marL="742950" indent="-285750" eaLnBrk="0" hangingPunct="0">
+                <a:defRPr>
+                  <a:solidFill>
+                    <a:schemeClr val="tx1"/>
+                  </a:solidFill>
+                  <a:latin typeface="Calibri" panose="020F0502020204030204" pitchFamily="34" charset="0"/>
+                  <a:ea typeface="宋体" panose="02010600030101010101" pitchFamily="2" charset="-122"/>
+                </a:defRPr>
+              </a:lvl2pPr>
+              <a:lvl3pPr marL="1143000" indent="-228600" eaLnBrk="0" hangingPunct="0">
+                <a:defRPr>
+                  <a:solidFill>
+                    <a:schemeClr val="tx1"/>
+                  </a:solidFill>
+                  <a:latin typeface="Calibri" panose="020F0502020204030204" pitchFamily="34" charset="0"/>
+                  <a:ea typeface="宋体" panose="02010600030101010101" pitchFamily="2" charset="-122"/>
+                </a:defRPr>
+              </a:lvl3pPr>
+              <a:lvl4pPr marL="1600200" indent="-228600" eaLnBrk="0" hangingPunct="0">
+                <a:defRPr>
+                  <a:solidFill>
+                    <a:schemeClr val="tx1"/>
+                  </a:solidFill>
+                  <a:latin typeface="Calibri" panose="020F0502020204030204" pitchFamily="34" charset="0"/>
+                  <a:ea typeface="宋体" panose="02010600030101010101" pitchFamily="2" charset="-122"/>
+                </a:defRPr>
+              </a:lvl4pPr>
+              <a:lvl5pPr marL="2057400" indent="-228600" eaLnBrk="0" hangingPunct="0">
+                <a:defRPr>
+                  <a:solidFill>
+                    <a:schemeClr val="tx1"/>
+                  </a:solidFill>
+                  <a:latin typeface="Calibri" panose="020F0502020204030204" pitchFamily="34" charset="0"/>
+                  <a:ea typeface="宋体" panose="02010600030101010101" pitchFamily="2" charset="-122"/>
+                </a:defRPr>
+              </a:lvl5pPr>
+              <a:lvl6pPr marL="2514600" indent="-228600" eaLnBrk="0" fontAlgn="base" hangingPunct="0">
+                <a:spcBef>
+                  <a:spcPct val="0"/>
+                </a:spcBef>
+                <a:spcAft>
+                  <a:spcPct val="0"/>
+                </a:spcAft>
+                <a:buFont typeface="Arial" panose="020B0604020202020204" pitchFamily="34" charset="0"/>
+                <a:defRPr>
+                  <a:solidFill>
+                    <a:schemeClr val="tx1"/>
+                  </a:solidFill>
+                  <a:latin typeface="Calibri" panose="020F0502020204030204" pitchFamily="34" charset="0"/>
+                  <a:ea typeface="宋体" panose="02010600030101010101" pitchFamily="2" charset="-122"/>
+                </a:defRPr>
+              </a:lvl6pPr>
+              <a:lvl7pPr marL="2971800" indent="-228600" eaLnBrk="0" fontAlgn="base" hangingPunct="0">
+                <a:spcBef>
+                  <a:spcPct val="0"/>
+                </a:spcBef>
+                <a:spcAft>
+                  <a:spcPct val="0"/>
+                </a:spcAft>
+                <a:buFont typeface="Arial" panose="020B0604020202020204" pitchFamily="34" charset="0"/>
+                <a:defRPr>
+                  <a:solidFill>
+                    <a:schemeClr val="tx1"/>
+                  </a:solidFill>
+                  <a:latin typeface="Calibri" panose="020F0502020204030204" pitchFamily="34" charset="0"/>
+                  <a:ea typeface="宋体" panose="02010600030101010101" pitchFamily="2" charset="-122"/>
+                </a:defRPr>
+              </a:lvl7pPr>
+              <a:lvl8pPr marL="3429000" indent="-228600" eaLnBrk="0" fontAlgn="base" hangingPunct="0">
+                <a:spcBef>
+                  <a:spcPct val="0"/>
+                </a:spcBef>
+                <a:spcAft>
+                  <a:spcPct val="0"/>
+                </a:spcAft>
+                <a:buFont typeface="Arial" panose="020B0604020202020204" pitchFamily="34" charset="0"/>
+                <a:defRPr>
+                  <a:solidFill>
+                    <a:schemeClr val="tx1"/>
+                  </a:solidFill>
+                  <a:latin typeface="Calibri" panose="020F0502020204030204" pitchFamily="34" charset="0"/>
+                  <a:ea typeface="宋体" panose="02010600030101010101" pitchFamily="2" charset="-122"/>
+                </a:defRPr>
+              </a:lvl8pPr>
+              <a:lvl9pPr marL="3886200" indent="-228600" eaLnBrk="0" fontAlgn="base" hangingPunct="0">
+                <a:spcBef>
+                  <a:spcPct val="0"/>
+                </a:spcBef>
+                <a:spcAft>
+                  <a:spcPct val="0"/>
+                </a:spcAft>
+                <a:buFont typeface="Arial" panose="020B0604020202020204" pitchFamily="34" charset="0"/>
+                <a:defRPr>
+                  <a:solidFill>
+                    <a:schemeClr val="tx1"/>
+                  </a:solidFill>
+                  <a:latin typeface="Calibri" panose="020F0502020204030204" pitchFamily="34" charset="0"/>
+                  <a:ea typeface="宋体" panose="02010600030101010101" pitchFamily="2" charset="-122"/>
+                </a:defRPr>
+              </a:lvl9pPr>
+            </a:lstStyle>
+            <a:p>
+              <a:pPr algn="l"/>
+              <a:r>
+                <a:rPr lang="zh-CN" altLang="en-US" sz="2400" b="1" dirty="0">
+                  <a:solidFill>
+                    <a:schemeClr val="tx1">
+                      <a:lumMod val="75000"/>
+                      <a:lumOff val="25000"/>
+                    </a:schemeClr>
+                  </a:solidFill>
+                  <a:latin typeface="仿宋" panose="02010609060101010101" pitchFamily="49" charset="-122"/>
+                  <a:ea typeface="仿宋" panose="02010609060101010101" pitchFamily="49" charset="-122"/>
+                  <a:sym typeface="+mn-ea"/>
+                </a:rPr>
+                <a:t>马科维茨均值-方差模型</a:t>
+              </a:r>
+            </a:p>
+          </p:txBody>
+        </p:sp>
+        <p:sp>
+          <p:nvSpPr>
+            <p:cNvPr id="16" name="TextBox 32"/>
+            <p:cNvSpPr txBox="1">
+              <a:spLocks noChangeArrowheads="1"/>
+            </p:cNvSpPr>
+            <p:nvPr/>
+          </p:nvSpPr>
+          <p:spPr bwMode="auto">
+            <a:xfrm>
+              <a:off x="8466" y="5015"/>
+              <a:ext cx="940" cy="911"/>
+            </a:xfrm>
+            <a:prstGeom prst="roundRect">
+              <a:avLst/>
+            </a:prstGeom>
+            <a:solidFill>
+              <a:srgbClr val="90A08D"/>
+            </a:solidFill>
+            <a:ln w="28575">
+              <a:noFill/>
+            </a:ln>
+          </p:spPr>
+          <p:txBody>
+            <a:bodyPr wrap="none">
+              <a:spAutoFit/>
+            </a:bodyPr>
+            <a:lstStyle>
+              <a:lvl1pPr eaLnBrk="0" hangingPunct="0">
+                <a:defRPr>
+                  <a:solidFill>
+                    <a:schemeClr val="tx1"/>
+                  </a:solidFill>
+                  <a:latin typeface="Calibri" panose="020F0502020204030204" pitchFamily="34" charset="0"/>
+                  <a:ea typeface="宋体" panose="02010600030101010101" pitchFamily="2" charset="-122"/>
+                </a:defRPr>
+              </a:lvl1pPr>
+              <a:lvl2pPr marL="742950" indent="-285750" eaLnBrk="0" hangingPunct="0">
+                <a:defRPr>
+                  <a:solidFill>
+                    <a:schemeClr val="tx1"/>
+                  </a:solidFill>
+                  <a:latin typeface="Calibri" panose="020F0502020204030204" pitchFamily="34" charset="0"/>
+                  <a:ea typeface="宋体" panose="02010600030101010101" pitchFamily="2" charset="-122"/>
+                </a:defRPr>
+              </a:lvl2pPr>
+              <a:lvl3pPr marL="1143000" indent="-228600" eaLnBrk="0" hangingPunct="0">
+                <a:defRPr>
+                  <a:solidFill>
+                    <a:schemeClr val="tx1"/>
+                  </a:solidFill>
+                  <a:latin typeface="Calibri" panose="020F0502020204030204" pitchFamily="34" charset="0"/>
+                  <a:ea typeface="宋体" panose="02010600030101010101" pitchFamily="2" charset="-122"/>
+                </a:defRPr>
+              </a:lvl3pPr>
+              <a:lvl4pPr marL="1600200" indent="-228600" eaLnBrk="0" hangingPunct="0">
+                <a:defRPr>
+                  <a:solidFill>
+                    <a:schemeClr val="tx1"/>
+                  </a:solidFill>
+                  <a:latin typeface="Calibri" panose="020F0502020204030204" pitchFamily="34" charset="0"/>
+                  <a:ea typeface="宋体" panose="02010600030101010101" pitchFamily="2" charset="-122"/>
+                </a:defRPr>
+              </a:lvl4pPr>
+              <a:lvl5pPr marL="2057400" indent="-228600" eaLnBrk="0" hangingPunct="0">
+                <a:defRPr>
+                  <a:solidFill>
+                    <a:schemeClr val="tx1"/>
+                  </a:solidFill>
+                  <a:latin typeface="Calibri" panose="020F0502020204030204" pitchFamily="34" charset="0"/>
+                  <a:ea typeface="宋体" panose="02010600030101010101" pitchFamily="2" charset="-122"/>
+                </a:defRPr>
+              </a:lvl5pPr>
+              <a:lvl6pPr marL="2514600" indent="-228600" eaLnBrk="0" fontAlgn="base" hangingPunct="0">
+                <a:spcBef>
+                  <a:spcPct val="0"/>
+                </a:spcBef>
+                <a:spcAft>
+                  <a:spcPct val="0"/>
+                </a:spcAft>
+                <a:buFont typeface="Arial" panose="020B0604020202020204" pitchFamily="34" charset="0"/>
+                <a:defRPr>
+                  <a:solidFill>
+                    <a:schemeClr val="tx1"/>
+                  </a:solidFill>
+                  <a:latin typeface="Calibri" panose="020F0502020204030204" pitchFamily="34" charset="0"/>
+                  <a:ea typeface="宋体" panose="02010600030101010101" pitchFamily="2" charset="-122"/>
+                </a:defRPr>
+              </a:lvl6pPr>
+              <a:lvl7pPr marL="2971800" indent="-228600" eaLnBrk="0" fontAlgn="base" hangingPunct="0">
+                <a:spcBef>
+                  <a:spcPct val="0"/>
+                </a:spcBef>
+                <a:spcAft>
+                  <a:spcPct val="0"/>
+                </a:spcAft>
+                <a:buFont typeface="Arial" panose="020B0604020202020204" pitchFamily="34" charset="0"/>
+                <a:defRPr>
+                  <a:solidFill>
+                    <a:schemeClr val="tx1"/>
+                  </a:solidFill>
+                  <a:latin typeface="Calibri" panose="020F0502020204030204" pitchFamily="34" charset="0"/>
+                  <a:ea typeface="宋体" panose="02010600030101010101" pitchFamily="2" charset="-122"/>
+                </a:defRPr>
+              </a:lvl7pPr>
+              <a:lvl8pPr marL="3429000" indent="-228600" eaLnBrk="0" fontAlgn="base" hangingPunct="0">
+                <a:spcBef>
+                  <a:spcPct val="0"/>
+                </a:spcBef>
+                <a:spcAft>
+                  <a:spcPct val="0"/>
+                </a:spcAft>
+                <a:buFont typeface="Arial" panose="020B0604020202020204" pitchFamily="34" charset="0"/>
+                <a:defRPr>
+                  <a:solidFill>
+                    <a:schemeClr val="tx1"/>
+                  </a:solidFill>
+                  <a:latin typeface="Calibri" panose="020F0502020204030204" pitchFamily="34" charset="0"/>
+                  <a:ea typeface="宋体" panose="02010600030101010101" pitchFamily="2" charset="-122"/>
+                </a:defRPr>
+              </a:lvl8pPr>
+              <a:lvl9pPr marL="3886200" indent="-228600" eaLnBrk="0" fontAlgn="base" hangingPunct="0">
+                <a:spcBef>
+                  <a:spcPct val="0"/>
+                </a:spcBef>
+                <a:spcAft>
+                  <a:spcPct val="0"/>
+                </a:spcAft>
+                <a:buFont typeface="Arial" panose="020B0604020202020204" pitchFamily="34" charset="0"/>
+                <a:defRPr>
+                  <a:solidFill>
+                    <a:schemeClr val="tx1"/>
+                  </a:solidFill>
+                  <a:latin typeface="Calibri" panose="020F0502020204030204" pitchFamily="34" charset="0"/>
+                  <a:ea typeface="宋体" panose="02010600030101010101" pitchFamily="2" charset="-122"/>
+                </a:defRPr>
+              </a:lvl9pPr>
+            </a:lstStyle>
+            <a:p>
+              <a:pPr eaLnBrk="1" hangingPunct="1"/>
+              <a:r>
+                <a:rPr lang="zh-CN" altLang="en-US" sz="2800" b="1" dirty="0">
+                  <a:solidFill>
+                    <a:schemeClr val="bg1"/>
+                  </a:solidFill>
+                  <a:latin typeface="Yuanti SC" charset="-122"/>
+                  <a:ea typeface="Yuanti SC" charset="-122"/>
+                  <a:cs typeface="Yuanti SC" charset="-122"/>
+                </a:rPr>
+                <a:t>三</a:t>
+              </a:r>
+            </a:p>
+          </p:txBody>
+        </p:sp>
+        <p:sp>
+          <p:nvSpPr>
+            <p:cNvPr id="17" name="TextBox 32"/>
+            <p:cNvSpPr txBox="1">
+              <a:spLocks noChangeArrowheads="1"/>
+            </p:cNvSpPr>
+            <p:nvPr/>
+          </p:nvSpPr>
+          <p:spPr bwMode="auto">
+            <a:xfrm>
+              <a:off x="10198" y="2154"/>
+              <a:ext cx="5973" cy="725"/>
+            </a:xfrm>
+            <a:prstGeom prst="rect">
+              <a:avLst/>
+            </a:prstGeom>
+            <a:noFill/>
+            <a:ln>
+              <a:noFill/>
+            </a:ln>
+            <a:extLst>
+              <a:ext uri="{909E8E84-426E-40DD-AFC4-6F175D3DCCD1}">
+                <a14:hiddenFill xmlns:a14="http://schemas.microsoft.com/office/drawing/2010/main">
+                  <a:solidFill>
+                    <a:srgbClr val="FFFFFF"/>
+                  </a:solidFill>
+                </a14:hiddenFill>
+              </a:ext>
+              <a:ext uri="{91240B29-F687-4F45-9708-019B960494DF}">
+                <a14:hiddenLine xmlns:a14="http://schemas.microsoft.com/office/drawing/2010/main" w="9525">
+                  <a:solidFill>
+                    <a:srgbClr val="000000"/>
+                  </a:solidFill>
+                  <a:miter lim="800000"/>
+                  <a:headEnd/>
+                  <a:tailEnd/>
+                </a14:hiddenLine>
+              </a:ext>
+            </a:extLst>
+          </p:spPr>
+          <p:txBody>
+            <a:bodyPr wrap="square">
+              <a:spAutoFit/>
+            </a:bodyPr>
+            <a:lstStyle>
+              <a:lvl1pPr eaLnBrk="0" hangingPunct="0">
+                <a:defRPr>
+                  <a:solidFill>
+                    <a:schemeClr val="tx1"/>
+                  </a:solidFill>
+                  <a:latin typeface="Calibri" panose="020F0502020204030204" pitchFamily="34" charset="0"/>
+                  <a:ea typeface="宋体" panose="02010600030101010101" pitchFamily="2" charset="-122"/>
+                </a:defRPr>
+              </a:lvl1pPr>
+              <a:lvl2pPr marL="742950" indent="-285750" eaLnBrk="0" hangingPunct="0">
+                <a:defRPr>
+                  <a:solidFill>
+                    <a:schemeClr val="tx1"/>
+                  </a:solidFill>
+                  <a:latin typeface="Calibri" panose="020F0502020204030204" pitchFamily="34" charset="0"/>
+                  <a:ea typeface="宋体" panose="02010600030101010101" pitchFamily="2" charset="-122"/>
+                </a:defRPr>
+              </a:lvl2pPr>
+              <a:lvl3pPr marL="1143000" indent="-228600" eaLnBrk="0" hangingPunct="0">
+                <a:defRPr>
+                  <a:solidFill>
+                    <a:schemeClr val="tx1"/>
+                  </a:solidFill>
+                  <a:latin typeface="Calibri" panose="020F0502020204030204" pitchFamily="34" charset="0"/>
+                  <a:ea typeface="宋体" panose="02010600030101010101" pitchFamily="2" charset="-122"/>
+                </a:defRPr>
+              </a:lvl3pPr>
+              <a:lvl4pPr marL="1600200" indent="-228600" eaLnBrk="0" hangingPunct="0">
+                <a:defRPr>
+                  <a:solidFill>
+                    <a:schemeClr val="tx1"/>
+                  </a:solidFill>
+                  <a:latin typeface="Calibri" panose="020F0502020204030204" pitchFamily="34" charset="0"/>
+                  <a:ea typeface="宋体" panose="02010600030101010101" pitchFamily="2" charset="-122"/>
+                </a:defRPr>
+              </a:lvl4pPr>
+              <a:lvl5pPr marL="2057400" indent="-228600" eaLnBrk="0" hangingPunct="0">
+                <a:defRPr>
+                  <a:solidFill>
+                    <a:schemeClr val="tx1"/>
+                  </a:solidFill>
+                  <a:latin typeface="Calibri" panose="020F0502020204030204" pitchFamily="34" charset="0"/>
+                  <a:ea typeface="宋体" panose="02010600030101010101" pitchFamily="2" charset="-122"/>
+                </a:defRPr>
+              </a:lvl5pPr>
+              <a:lvl6pPr marL="2514600" indent="-228600" eaLnBrk="0" fontAlgn="base" hangingPunct="0">
+                <a:spcBef>
+                  <a:spcPct val="0"/>
+                </a:spcBef>
+                <a:spcAft>
+                  <a:spcPct val="0"/>
+                </a:spcAft>
+                <a:buFont typeface="Arial" panose="020B0604020202020204" pitchFamily="34" charset="0"/>
+                <a:defRPr>
+                  <a:solidFill>
+                    <a:schemeClr val="tx1"/>
+                  </a:solidFill>
+                  <a:latin typeface="Calibri" panose="020F0502020204030204" pitchFamily="34" charset="0"/>
+                  <a:ea typeface="宋体" panose="02010600030101010101" pitchFamily="2" charset="-122"/>
+                </a:defRPr>
+              </a:lvl6pPr>
+              <a:lvl7pPr marL="2971800" indent="-228600" eaLnBrk="0" fontAlgn="base" hangingPunct="0">
+                <a:spcBef>
+                  <a:spcPct val="0"/>
+                </a:spcBef>
+                <a:spcAft>
+                  <a:spcPct val="0"/>
+                </a:spcAft>
+                <a:buFont typeface="Arial" panose="020B0604020202020204" pitchFamily="34" charset="0"/>
+                <a:defRPr>
+                  <a:solidFill>
+                    <a:schemeClr val="tx1"/>
+                  </a:solidFill>
+                  <a:latin typeface="Calibri" panose="020F0502020204030204" pitchFamily="34" charset="0"/>
+                  <a:ea typeface="宋体" panose="02010600030101010101" pitchFamily="2" charset="-122"/>
+                </a:defRPr>
+              </a:lvl7pPr>
+              <a:lvl8pPr marL="3429000" indent="-228600" eaLnBrk="0" fontAlgn="base" hangingPunct="0">
+                <a:spcBef>
+                  <a:spcPct val="0"/>
+                </a:spcBef>
+                <a:spcAft>
+                  <a:spcPct val="0"/>
+                </a:spcAft>
+                <a:buFont typeface="Arial" panose="020B0604020202020204" pitchFamily="34" charset="0"/>
+                <a:defRPr>
+                  <a:solidFill>
+                    <a:schemeClr val="tx1"/>
+                  </a:solidFill>
+                  <a:latin typeface="Calibri" panose="020F0502020204030204" pitchFamily="34" charset="0"/>
+                  <a:ea typeface="宋体" panose="02010600030101010101" pitchFamily="2" charset="-122"/>
+                </a:defRPr>
+              </a:lvl8pPr>
+              <a:lvl9pPr marL="3886200" indent="-228600" eaLnBrk="0" fontAlgn="base" hangingPunct="0">
+                <a:spcBef>
+                  <a:spcPct val="0"/>
+                </a:spcBef>
+                <a:spcAft>
+                  <a:spcPct val="0"/>
+                </a:spcAft>
+                <a:buFont typeface="Arial" panose="020B0604020202020204" pitchFamily="34" charset="0"/>
+                <a:defRPr>
+                  <a:solidFill>
+                    <a:schemeClr val="tx1"/>
+                  </a:solidFill>
+                  <a:latin typeface="Calibri" panose="020F0502020204030204" pitchFamily="34" charset="0"/>
+                  <a:ea typeface="宋体" panose="02010600030101010101" pitchFamily="2" charset="-122"/>
+                </a:defRPr>
+              </a:lvl9pPr>
+            </a:lstStyle>
+            <a:p>
+              <a:pPr algn="l"/>
+              <a:r>
+                <a:rPr sz="2400" b="1" dirty="0">
+                  <a:solidFill>
+                    <a:schemeClr val="tx1">
+                      <a:lumMod val="75000"/>
+                      <a:lumOff val="25000"/>
+                    </a:schemeClr>
+                  </a:solidFill>
+                  <a:latin typeface="仿宋" panose="02010609060101010101" pitchFamily="49" charset="-122"/>
+                  <a:ea typeface="仿宋" panose="02010609060101010101" pitchFamily="49" charset="-122"/>
+                  <a:cs typeface="Yuanti SC" charset="-122"/>
+                  <a:sym typeface="+mn-ea"/>
+                </a:rPr>
+                <a:t>二次规划</a:t>
+              </a:r>
+            </a:p>
+          </p:txBody>
+        </p:sp>
+        <p:sp>
+          <p:nvSpPr>
+            <p:cNvPr id="18" name="TextBox 32"/>
+            <p:cNvSpPr txBox="1">
+              <a:spLocks noChangeArrowheads="1"/>
+            </p:cNvSpPr>
+            <p:nvPr/>
+          </p:nvSpPr>
+          <p:spPr bwMode="auto">
+            <a:xfrm>
+              <a:off x="8428" y="2061"/>
+              <a:ext cx="978" cy="911"/>
+            </a:xfrm>
+            <a:prstGeom prst="roundRect">
+              <a:avLst/>
+            </a:prstGeom>
+            <a:solidFill>
+              <a:srgbClr val="90A08D"/>
+            </a:solidFill>
+            <a:ln w="28575">
+              <a:noFill/>
+            </a:ln>
+          </p:spPr>
+          <p:txBody>
+            <a:bodyPr wrap="square">
+              <a:spAutoFit/>
+            </a:bodyPr>
+            <a:lstStyle>
+              <a:lvl1pPr eaLnBrk="0" hangingPunct="0">
+                <a:defRPr>
+                  <a:solidFill>
+                    <a:schemeClr val="tx1"/>
+                  </a:solidFill>
+                  <a:latin typeface="Calibri" panose="020F0502020204030204" pitchFamily="34" charset="0"/>
+                  <a:ea typeface="宋体" panose="02010600030101010101" pitchFamily="2" charset="-122"/>
+                </a:defRPr>
+              </a:lvl1pPr>
+              <a:lvl2pPr marL="742950" indent="-285750" eaLnBrk="0" hangingPunct="0">
+                <a:defRPr>
+                  <a:solidFill>
+                    <a:schemeClr val="tx1"/>
+                  </a:solidFill>
+                  <a:latin typeface="Calibri" panose="020F0502020204030204" pitchFamily="34" charset="0"/>
+                  <a:ea typeface="宋体" panose="02010600030101010101" pitchFamily="2" charset="-122"/>
+                </a:defRPr>
+              </a:lvl2pPr>
+              <a:lvl3pPr marL="1143000" indent="-228600" eaLnBrk="0" hangingPunct="0">
+                <a:defRPr>
+                  <a:solidFill>
+                    <a:schemeClr val="tx1"/>
+                  </a:solidFill>
+                  <a:latin typeface="Calibri" panose="020F0502020204030204" pitchFamily="34" charset="0"/>
+                  <a:ea typeface="宋体" panose="02010600030101010101" pitchFamily="2" charset="-122"/>
+                </a:defRPr>
+              </a:lvl3pPr>
+              <a:lvl4pPr marL="1600200" indent="-228600" eaLnBrk="0" hangingPunct="0">
+                <a:defRPr>
+                  <a:solidFill>
+                    <a:schemeClr val="tx1"/>
+                  </a:solidFill>
+                  <a:latin typeface="Calibri" panose="020F0502020204030204" pitchFamily="34" charset="0"/>
+                  <a:ea typeface="宋体" panose="02010600030101010101" pitchFamily="2" charset="-122"/>
+                </a:defRPr>
+              </a:lvl4pPr>
+              <a:lvl5pPr marL="2057400" indent="-228600" eaLnBrk="0" hangingPunct="0">
+                <a:defRPr>
+                  <a:solidFill>
+                    <a:schemeClr val="tx1"/>
+                  </a:solidFill>
+                  <a:latin typeface="Calibri" panose="020F0502020204030204" pitchFamily="34" charset="0"/>
+                  <a:ea typeface="宋体" panose="02010600030101010101" pitchFamily="2" charset="-122"/>
+                </a:defRPr>
+              </a:lvl5pPr>
+              <a:lvl6pPr marL="2514600" indent="-228600" eaLnBrk="0" fontAlgn="base" hangingPunct="0">
+                <a:spcBef>
+                  <a:spcPct val="0"/>
+                </a:spcBef>
+                <a:spcAft>
+                  <a:spcPct val="0"/>
+                </a:spcAft>
+                <a:buFont typeface="Arial" panose="020B0604020202020204" pitchFamily="34" charset="0"/>
+                <a:defRPr>
+                  <a:solidFill>
+                    <a:schemeClr val="tx1"/>
+                  </a:solidFill>
+                  <a:latin typeface="Calibri" panose="020F0502020204030204" pitchFamily="34" charset="0"/>
+                  <a:ea typeface="宋体" panose="02010600030101010101" pitchFamily="2" charset="-122"/>
+                </a:defRPr>
+              </a:lvl6pPr>
+              <a:lvl7pPr marL="2971800" indent="-228600" eaLnBrk="0" fontAlgn="base" hangingPunct="0">
+                <a:spcBef>
+                  <a:spcPct val="0"/>
+                </a:spcBef>
+                <a:spcAft>
+                  <a:spcPct val="0"/>
+                </a:spcAft>
+                <a:buFont typeface="Arial" panose="020B0604020202020204" pitchFamily="34" charset="0"/>
+                <a:defRPr>
+                  <a:solidFill>
+                    <a:schemeClr val="tx1"/>
+                  </a:solidFill>
+                  <a:latin typeface="Calibri" panose="020F0502020204030204" pitchFamily="34" charset="0"/>
+                  <a:ea typeface="宋体" panose="02010600030101010101" pitchFamily="2" charset="-122"/>
+                </a:defRPr>
+              </a:lvl7pPr>
+              <a:lvl8pPr marL="3429000" indent="-228600" eaLnBrk="0" fontAlgn="base" hangingPunct="0">
+                <a:spcBef>
+                  <a:spcPct val="0"/>
+                </a:spcBef>
+                <a:spcAft>
+                  <a:spcPct val="0"/>
+                </a:spcAft>
+                <a:buFont typeface="Arial" panose="020B0604020202020204" pitchFamily="34" charset="0"/>
+                <a:defRPr>
+                  <a:solidFill>
+                    <a:schemeClr val="tx1"/>
+                  </a:solidFill>
+                  <a:latin typeface="Calibri" panose="020F0502020204030204" pitchFamily="34" charset="0"/>
+                  <a:ea typeface="宋体" panose="02010600030101010101" pitchFamily="2" charset="-122"/>
+                </a:defRPr>
+              </a:lvl8pPr>
+              <a:lvl9pPr marL="3886200" indent="-228600" eaLnBrk="0" fontAlgn="base" hangingPunct="0">
+                <a:spcBef>
+                  <a:spcPct val="0"/>
+                </a:spcBef>
+                <a:spcAft>
+                  <a:spcPct val="0"/>
+                </a:spcAft>
+                <a:buFont typeface="Arial" panose="020B0604020202020204" pitchFamily="34" charset="0"/>
+                <a:defRPr>
+                  <a:solidFill>
+                    <a:schemeClr val="tx1"/>
+                  </a:solidFill>
+                  <a:latin typeface="Calibri" panose="020F0502020204030204" pitchFamily="34" charset="0"/>
+                  <a:ea typeface="宋体" panose="02010600030101010101" pitchFamily="2" charset="-122"/>
+                </a:defRPr>
+              </a:lvl9pPr>
+            </a:lstStyle>
+            <a:p>
+              <a:pPr eaLnBrk="1" hangingPunct="1"/>
+              <a:r>
+                <a:rPr lang="zh-CN" altLang="en-US" sz="2800" b="1" dirty="0">
+                  <a:solidFill>
+                    <a:schemeClr val="bg1"/>
+                  </a:solidFill>
+                  <a:latin typeface="Yuanti SC" charset="-122"/>
+                  <a:ea typeface="Yuanti SC" charset="-122"/>
+                  <a:cs typeface="Yuanti SC" charset="-122"/>
+                </a:rPr>
+                <a:t>一</a:t>
+              </a:r>
+            </a:p>
+          </p:txBody>
+        </p:sp>
+        <p:sp>
+          <p:nvSpPr>
+            <p:cNvPr id="19" name="TextBox 32"/>
+            <p:cNvSpPr txBox="1">
+              <a:spLocks noChangeArrowheads="1"/>
+            </p:cNvSpPr>
+            <p:nvPr/>
+          </p:nvSpPr>
+          <p:spPr bwMode="auto">
+            <a:xfrm>
+              <a:off x="10198" y="3584"/>
+              <a:ext cx="5973" cy="725"/>
+            </a:xfrm>
+            <a:prstGeom prst="rect">
+              <a:avLst/>
+            </a:prstGeom>
+            <a:noFill/>
+            <a:ln>
+              <a:noFill/>
+            </a:ln>
+            <a:extLst>
+              <a:ext uri="{909E8E84-426E-40DD-AFC4-6F175D3DCCD1}">
+                <a14:hiddenFill xmlns:a14="http://schemas.microsoft.com/office/drawing/2010/main">
+                  <a:solidFill>
+                    <a:srgbClr val="FFFFFF"/>
+                  </a:solidFill>
+                </a14:hiddenFill>
+              </a:ext>
+              <a:ext uri="{91240B29-F687-4F45-9708-019B960494DF}">
+                <a14:hiddenLine xmlns:a14="http://schemas.microsoft.com/office/drawing/2010/main" w="9525">
+                  <a:solidFill>
+                    <a:srgbClr val="000000"/>
+                  </a:solidFill>
+                  <a:miter lim="800000"/>
+                  <a:headEnd/>
+                  <a:tailEnd/>
+                </a14:hiddenLine>
+              </a:ext>
+            </a:extLst>
+          </p:spPr>
+          <p:txBody>
+            <a:bodyPr wrap="square">
+              <a:spAutoFit/>
+            </a:bodyPr>
+            <a:lstStyle>
+              <a:lvl1pPr eaLnBrk="0" hangingPunct="0">
+                <a:defRPr>
+                  <a:solidFill>
+                    <a:schemeClr val="tx1"/>
+                  </a:solidFill>
+                  <a:latin typeface="Calibri" panose="020F0502020204030204" pitchFamily="34" charset="0"/>
+                  <a:ea typeface="宋体" panose="02010600030101010101" pitchFamily="2" charset="-122"/>
+                </a:defRPr>
+              </a:lvl1pPr>
+              <a:lvl2pPr marL="742950" indent="-285750" eaLnBrk="0" hangingPunct="0">
+                <a:defRPr>
+                  <a:solidFill>
+                    <a:schemeClr val="tx1"/>
+                  </a:solidFill>
+                  <a:latin typeface="Calibri" panose="020F0502020204030204" pitchFamily="34" charset="0"/>
+                  <a:ea typeface="宋体" panose="02010600030101010101" pitchFamily="2" charset="-122"/>
+                </a:defRPr>
+              </a:lvl2pPr>
+              <a:lvl3pPr marL="1143000" indent="-228600" eaLnBrk="0" hangingPunct="0">
+                <a:defRPr>
+                  <a:solidFill>
+                    <a:schemeClr val="tx1"/>
+                  </a:solidFill>
+                  <a:latin typeface="Calibri" panose="020F0502020204030204" pitchFamily="34" charset="0"/>
+                  <a:ea typeface="宋体" panose="02010600030101010101" pitchFamily="2" charset="-122"/>
+                </a:defRPr>
+              </a:lvl3pPr>
+              <a:lvl4pPr marL="1600200" indent="-228600" eaLnBrk="0" hangingPunct="0">
+                <a:defRPr>
+                  <a:solidFill>
+                    <a:schemeClr val="tx1"/>
+                  </a:solidFill>
+                  <a:latin typeface="Calibri" panose="020F0502020204030204" pitchFamily="34" charset="0"/>
+                  <a:ea typeface="宋体" panose="02010600030101010101" pitchFamily="2" charset="-122"/>
+                </a:defRPr>
+              </a:lvl4pPr>
+              <a:lvl5pPr marL="2057400" indent="-228600" eaLnBrk="0" hangingPunct="0">
+                <a:defRPr>
+                  <a:solidFill>
+                    <a:schemeClr val="tx1"/>
+                  </a:solidFill>
+                  <a:latin typeface="Calibri" panose="020F0502020204030204" pitchFamily="34" charset="0"/>
+                  <a:ea typeface="宋体" panose="02010600030101010101" pitchFamily="2" charset="-122"/>
+                </a:defRPr>
+              </a:lvl5pPr>
+              <a:lvl6pPr marL="2514600" indent="-228600" eaLnBrk="0" fontAlgn="base" hangingPunct="0">
+                <a:spcBef>
+                  <a:spcPct val="0"/>
+                </a:spcBef>
+                <a:spcAft>
+                  <a:spcPct val="0"/>
+                </a:spcAft>
+                <a:buFont typeface="Arial" panose="020B0604020202020204" pitchFamily="34" charset="0"/>
+                <a:defRPr>
+                  <a:solidFill>
+                    <a:schemeClr val="tx1"/>
+                  </a:solidFill>
+                  <a:latin typeface="Calibri" panose="020F0502020204030204" pitchFamily="34" charset="0"/>
+                  <a:ea typeface="宋体" panose="02010600030101010101" pitchFamily="2" charset="-122"/>
+                </a:defRPr>
+              </a:lvl6pPr>
+              <a:lvl7pPr marL="2971800" indent="-228600" eaLnBrk="0" fontAlgn="base" hangingPunct="0">
+                <a:spcBef>
+                  <a:spcPct val="0"/>
+                </a:spcBef>
+                <a:spcAft>
+                  <a:spcPct val="0"/>
+                </a:spcAft>
+                <a:buFont typeface="Arial" panose="020B0604020202020204" pitchFamily="34" charset="0"/>
+                <a:defRPr>
+                  <a:solidFill>
+                    <a:schemeClr val="tx1"/>
+                  </a:solidFill>
+                  <a:latin typeface="Calibri" panose="020F0502020204030204" pitchFamily="34" charset="0"/>
+                  <a:ea typeface="宋体" panose="02010600030101010101" pitchFamily="2" charset="-122"/>
+                </a:defRPr>
+              </a:lvl7pPr>
+              <a:lvl8pPr marL="3429000" indent="-228600" eaLnBrk="0" fontAlgn="base" hangingPunct="0">
+                <a:spcBef>
+                  <a:spcPct val="0"/>
+                </a:spcBef>
+                <a:spcAft>
+                  <a:spcPct val="0"/>
+                </a:spcAft>
+                <a:buFont typeface="Arial" panose="020B0604020202020204" pitchFamily="34" charset="0"/>
+                <a:defRPr>
+                  <a:solidFill>
+                    <a:schemeClr val="tx1"/>
+                  </a:solidFill>
+                  <a:latin typeface="Calibri" panose="020F0502020204030204" pitchFamily="34" charset="0"/>
+                  <a:ea typeface="宋体" panose="02010600030101010101" pitchFamily="2" charset="-122"/>
+                </a:defRPr>
+              </a:lvl8pPr>
+              <a:lvl9pPr marL="3886200" indent="-228600" eaLnBrk="0" fontAlgn="base" hangingPunct="0">
+                <a:spcBef>
+                  <a:spcPct val="0"/>
+                </a:spcBef>
+                <a:spcAft>
+                  <a:spcPct val="0"/>
+                </a:spcAft>
+                <a:buFont typeface="Arial" panose="020B0604020202020204" pitchFamily="34" charset="0"/>
+                <a:defRPr>
+                  <a:solidFill>
+                    <a:schemeClr val="tx1"/>
+                  </a:solidFill>
+                  <a:latin typeface="Calibri" panose="020F0502020204030204" pitchFamily="34" charset="0"/>
+                  <a:ea typeface="宋体" panose="02010600030101010101" pitchFamily="2" charset="-122"/>
+                </a:defRPr>
+              </a:lvl9pPr>
+            </a:lstStyle>
+            <a:p>
+              <a:pPr algn="l"/>
+              <a:r>
+                <a:rPr lang="en-US" altLang="zh-CN" sz="2400" dirty="0">
+                  <a:solidFill>
+                    <a:schemeClr val="tx1">
+                      <a:lumMod val="75000"/>
+                      <a:lumOff val="25000"/>
+                    </a:schemeClr>
+                  </a:solidFill>
+                  <a:latin typeface="Times New Roman" panose="02020603050405020304" pitchFamily="18" charset="0"/>
+                  <a:ea typeface="仿宋" panose="02010609060101010101" pitchFamily="49" charset="-122"/>
+                  <a:cs typeface="Times New Roman" panose="02020603050405020304" pitchFamily="18" charset="0"/>
+                  <a:sym typeface="+mn-ea"/>
+                </a:rPr>
+                <a:t>多目标规划</a:t>
+              </a:r>
+            </a:p>
+          </p:txBody>
+        </p:sp>
+        <p:sp>
+          <p:nvSpPr>
+            <p:cNvPr id="20" name="TextBox 32"/>
+            <p:cNvSpPr txBox="1">
+              <a:spLocks noChangeArrowheads="1"/>
+            </p:cNvSpPr>
+            <p:nvPr/>
+          </p:nvSpPr>
+          <p:spPr bwMode="auto">
+            <a:xfrm>
+              <a:off x="8428" y="3482"/>
+              <a:ext cx="938" cy="909"/>
+            </a:xfrm>
+            <a:prstGeom prst="roundRect">
+              <a:avLst/>
+            </a:prstGeom>
+            <a:solidFill>
+              <a:srgbClr val="C0C9BE"/>
+            </a:solidFill>
+            <a:ln w="28575">
+              <a:noFill/>
+            </a:ln>
+          </p:spPr>
+          <p:txBody>
+            <a:bodyPr wrap="none">
+              <a:spAutoFit/>
+            </a:bodyPr>
+            <a:lstStyle>
+              <a:lvl1pPr eaLnBrk="0" hangingPunct="0">
+                <a:defRPr>
+                  <a:solidFill>
+                    <a:schemeClr val="tx1"/>
+                  </a:solidFill>
+                  <a:latin typeface="Calibri" panose="020F0502020204030204" pitchFamily="34" charset="0"/>
+                  <a:ea typeface="宋体" panose="02010600030101010101" pitchFamily="2" charset="-122"/>
+                </a:defRPr>
+              </a:lvl1pPr>
+              <a:lvl2pPr marL="742950" indent="-285750" eaLnBrk="0" hangingPunct="0">
+                <a:defRPr>
+                  <a:solidFill>
+                    <a:schemeClr val="tx1"/>
+                  </a:solidFill>
+                  <a:latin typeface="Calibri" panose="020F0502020204030204" pitchFamily="34" charset="0"/>
+                  <a:ea typeface="宋体" panose="02010600030101010101" pitchFamily="2" charset="-122"/>
+                </a:defRPr>
+              </a:lvl2pPr>
+              <a:lvl3pPr marL="1143000" indent="-228600" eaLnBrk="0" hangingPunct="0">
+                <a:defRPr>
+                  <a:solidFill>
+                    <a:schemeClr val="tx1"/>
+                  </a:solidFill>
+                  <a:latin typeface="Calibri" panose="020F0502020204030204" pitchFamily="34" charset="0"/>
+                  <a:ea typeface="宋体" panose="02010600030101010101" pitchFamily="2" charset="-122"/>
+                </a:defRPr>
+              </a:lvl3pPr>
+              <a:lvl4pPr marL="1600200" indent="-228600" eaLnBrk="0" hangingPunct="0">
+                <a:defRPr>
+                  <a:solidFill>
+                    <a:schemeClr val="tx1"/>
+                  </a:solidFill>
+                  <a:latin typeface="Calibri" panose="020F0502020204030204" pitchFamily="34" charset="0"/>
+                  <a:ea typeface="宋体" panose="02010600030101010101" pitchFamily="2" charset="-122"/>
+                </a:defRPr>
+              </a:lvl4pPr>
+              <a:lvl5pPr marL="2057400" indent="-228600" eaLnBrk="0" hangingPunct="0">
+                <a:defRPr>
+                  <a:solidFill>
+                    <a:schemeClr val="tx1"/>
+                  </a:solidFill>
+                  <a:latin typeface="Calibri" panose="020F0502020204030204" pitchFamily="34" charset="0"/>
+                  <a:ea typeface="宋体" panose="02010600030101010101" pitchFamily="2" charset="-122"/>
+                </a:defRPr>
+              </a:lvl5pPr>
+              <a:lvl6pPr marL="2514600" indent="-228600" eaLnBrk="0" fontAlgn="base" hangingPunct="0">
+                <a:spcBef>
+                  <a:spcPct val="0"/>
+                </a:spcBef>
+                <a:spcAft>
+                  <a:spcPct val="0"/>
+                </a:spcAft>
+                <a:buFont typeface="Arial" panose="020B0604020202020204" pitchFamily="34" charset="0"/>
+                <a:defRPr>
+                  <a:solidFill>
+                    <a:schemeClr val="tx1"/>
+                  </a:solidFill>
+                  <a:latin typeface="Calibri" panose="020F0502020204030204" pitchFamily="34" charset="0"/>
+                  <a:ea typeface="宋体" panose="02010600030101010101" pitchFamily="2" charset="-122"/>
+                </a:defRPr>
+              </a:lvl6pPr>
+              <a:lvl7pPr marL="2971800" indent="-228600" eaLnBrk="0" fontAlgn="base" hangingPunct="0">
+                <a:spcBef>
+                  <a:spcPct val="0"/>
+                </a:spcBef>
+                <a:spcAft>
+                  <a:spcPct val="0"/>
+                </a:spcAft>
+                <a:buFont typeface="Arial" panose="020B0604020202020204" pitchFamily="34" charset="0"/>
+                <a:defRPr>
+                  <a:solidFill>
+                    <a:schemeClr val="tx1"/>
+                  </a:solidFill>
+                  <a:latin typeface="Calibri" panose="020F0502020204030204" pitchFamily="34" charset="0"/>
+                  <a:ea typeface="宋体" panose="02010600030101010101" pitchFamily="2" charset="-122"/>
+                </a:defRPr>
+              </a:lvl7pPr>
+              <a:lvl8pPr marL="3429000" indent="-228600" eaLnBrk="0" fontAlgn="base" hangingPunct="0">
+                <a:spcBef>
+                  <a:spcPct val="0"/>
+                </a:spcBef>
+                <a:spcAft>
+                  <a:spcPct val="0"/>
+                </a:spcAft>
+                <a:buFont typeface="Arial" panose="020B0604020202020204" pitchFamily="34" charset="0"/>
+                <a:defRPr>
+                  <a:solidFill>
+                    <a:schemeClr val="tx1"/>
+                  </a:solidFill>
+                  <a:latin typeface="Calibri" panose="020F0502020204030204" pitchFamily="34" charset="0"/>
+                  <a:ea typeface="宋体" panose="02010600030101010101" pitchFamily="2" charset="-122"/>
+                </a:defRPr>
+              </a:lvl8pPr>
+              <a:lvl9pPr marL="3886200" indent="-228600" eaLnBrk="0" fontAlgn="base" hangingPunct="0">
+                <a:spcBef>
+                  <a:spcPct val="0"/>
+                </a:spcBef>
+                <a:spcAft>
+                  <a:spcPct val="0"/>
+                </a:spcAft>
+                <a:buFont typeface="Arial" panose="020B0604020202020204" pitchFamily="34" charset="0"/>
+                <a:defRPr>
+                  <a:solidFill>
+                    <a:schemeClr val="tx1"/>
+                  </a:solidFill>
+                  <a:latin typeface="Calibri" panose="020F0502020204030204" pitchFamily="34" charset="0"/>
+                  <a:ea typeface="宋体" panose="02010600030101010101" pitchFamily="2" charset="-122"/>
+                </a:defRPr>
+              </a:lvl9pPr>
+            </a:lstStyle>
+            <a:p>
+              <a:pPr eaLnBrk="1" hangingPunct="1"/>
+              <a:r>
+                <a:rPr lang="zh-CN" altLang="en-US" sz="2800" b="1" dirty="0">
+                  <a:solidFill>
+                    <a:schemeClr val="bg1"/>
+                  </a:solidFill>
+                  <a:latin typeface="Yuanti SC" charset="-122"/>
+                  <a:ea typeface="Yuanti SC" charset="-122"/>
+                  <a:cs typeface="Yuanti SC" charset="-122"/>
+                </a:rPr>
+                <a:t>二</a:t>
+              </a:r>
+            </a:p>
+          </p:txBody>
+        </p:sp>
+      </p:grpSp>
       <p:sp>
         <p:nvSpPr>
-          <p:cNvPr id="3" name="内容占位符 2"/>
-          <p:cNvSpPr>
-            <a:spLocks noGrp="1"/>
-          </p:cNvSpPr>
-          <p:nvPr>
-            <p:ph idx="1"/>
-          </p:nvPr>
+          <p:cNvPr id="8" name="文本框 7"/>
+          <p:cNvSpPr txBox="1"/>
+          <p:nvPr/>
         </p:nvSpPr>
         <p:spPr>
           <a:xfrm>
-            <a:off x="492950" y="854583"/>
-            <a:ext cx="11206099" cy="4997577"/>
+            <a:off x="2710180" y="2074545"/>
+            <a:ext cx="1009015" cy="2584450"/>
           </a:xfrm>
+          <a:prstGeom prst="rect">
+            <a:avLst/>
+          </a:prstGeom>
+          <a:noFill/>
         </p:spPr>
         <p:txBody>
-          <a:bodyPr/>
+          <a:bodyPr wrap="square" rtlCol="0">
+            <a:spAutoFit/>
+          </a:bodyPr>
           <a:lstStyle/>
           <a:p>
-            <a:pPr marL="0" indent="0" algn="just" fontAlgn="auto">
+            <a:pPr algn="ctr">
               <a:lnSpc>
-                <a:spcPct val="110000"/>
+                <a:spcPct val="150000"/>
               </a:lnSpc>
-              <a:spcBef>
-                <a:spcPts val="1000"/>
-              </a:spcBef>
-              <a:spcAft>
-                <a:spcPts val="1000"/>
-              </a:spcAft>
-              <a:buNone/>
             </a:pPr>
             <a:r>
-              <a:rPr lang="en-US" altLang="zh-CN" sz="2800" dirty="0">
-                <a:latin typeface="宋体" panose="02010600030101010101" pitchFamily="2" charset="-122"/>
-                <a:ea typeface="宋体" panose="02010600030101010101" pitchFamily="2" charset="-122"/>
-                <a:cs typeface="宋体" panose="02010600030101010101" pitchFamily="2" charset="-122"/>
-              </a:rPr>
-              <a:t>  </a:t>
-            </a:r>
-            <a:r>
-              <a:rPr lang="en-US" altLang="zh-CN" dirty="0">
-                <a:latin typeface="宋体" panose="02010600030101010101" pitchFamily="2" charset="-122"/>
-                <a:ea typeface="宋体" panose="02010600030101010101" pitchFamily="2" charset="-122"/>
-                <a:cs typeface="宋体" panose="02010600030101010101" pitchFamily="2" charset="-122"/>
-              </a:rPr>
-              <a:t>  </a:t>
-            </a:r>
-            <a:r>
-              <a:rPr dirty="0" err="1">
-                <a:latin typeface="+mn-ea"/>
-                <a:cs typeface="+mn-ea"/>
-              </a:rPr>
-              <a:t>本章继续讨论规划模型：二次规划，多目标规划，并结合投资优化策略案例来展开</a:t>
-            </a:r>
-            <a:r>
-              <a:rPr lang="zh-CN" dirty="0">
-                <a:latin typeface="+mn-ea"/>
-                <a:cs typeface="+mn-ea"/>
-              </a:rPr>
-              <a:t>。</a:t>
-            </a:r>
-            <a:endParaRPr dirty="0">
-              <a:latin typeface="+mn-ea"/>
-              <a:cs typeface="+mn-ea"/>
-            </a:endParaRPr>
-          </a:p>
-          <a:p>
-            <a:pPr marL="0" indent="0" algn="just" fontAlgn="auto">
-              <a:lnSpc>
-                <a:spcPct val="110000"/>
-              </a:lnSpc>
-              <a:spcBef>
-                <a:spcPts val="1000"/>
-              </a:spcBef>
-              <a:spcAft>
-                <a:spcPts val="1000"/>
-              </a:spcAft>
-              <a:buNone/>
-            </a:pPr>
-            <a:r>
-              <a:rPr lang="en-US" b="1" dirty="0">
-                <a:latin typeface="+mn-ea"/>
-                <a:cs typeface="+mn-ea"/>
-              </a:rPr>
-              <a:t>       </a:t>
-            </a:r>
-            <a:r>
-              <a:rPr b="1" dirty="0" err="1">
-                <a:latin typeface="+mn-ea"/>
-                <a:cs typeface="+mn-ea"/>
-              </a:rPr>
-              <a:t>投资的基本目的：</a:t>
-            </a:r>
-            <a:r>
-              <a:rPr dirty="0" err="1">
-                <a:latin typeface="+mn-ea"/>
-                <a:cs typeface="+mn-ea"/>
-              </a:rPr>
-              <a:t>获得投资收益，实现财富的保值、增值</a:t>
-            </a:r>
-            <a:r>
-              <a:rPr lang="zh-CN" dirty="0">
-                <a:latin typeface="+mn-ea"/>
-                <a:cs typeface="+mn-ea"/>
-              </a:rPr>
-              <a:t>。</a:t>
-            </a:r>
-            <a:endParaRPr dirty="0">
-              <a:latin typeface="+mn-ea"/>
-              <a:cs typeface="+mn-ea"/>
-            </a:endParaRPr>
-          </a:p>
-          <a:p>
-            <a:pPr marL="0" indent="0" algn="just" fontAlgn="auto">
-              <a:lnSpc>
-                <a:spcPct val="110000"/>
-              </a:lnSpc>
-              <a:spcBef>
-                <a:spcPts val="1000"/>
-              </a:spcBef>
-              <a:spcAft>
-                <a:spcPts val="1000"/>
-              </a:spcAft>
-              <a:buNone/>
-            </a:pPr>
-            <a:r>
-              <a:rPr lang="en-US" dirty="0">
-                <a:latin typeface="+mn-ea"/>
-                <a:cs typeface="+mn-ea"/>
-              </a:rPr>
-              <a:t>       </a:t>
-            </a:r>
-            <a:r>
-              <a:rPr b="1" dirty="0" err="1">
-                <a:latin typeface="+mn-ea"/>
-                <a:cs typeface="+mn-ea"/>
-              </a:rPr>
-              <a:t>投资的选择有：</a:t>
-            </a:r>
-            <a:r>
-              <a:rPr dirty="0" err="1">
-                <a:latin typeface="+mn-ea"/>
-                <a:cs typeface="+mn-ea"/>
-              </a:rPr>
-              <a:t>实物（房地产、艺术品、黄金等</a:t>
-            </a:r>
-            <a:r>
-              <a:rPr dirty="0">
-                <a:latin typeface="+mn-ea"/>
-                <a:cs typeface="+mn-ea"/>
-              </a:rPr>
-              <a:t>），</a:t>
-            </a:r>
-            <a:r>
-              <a:rPr dirty="0" err="1">
-                <a:latin typeface="+mn-ea"/>
-                <a:cs typeface="+mn-ea"/>
-              </a:rPr>
-              <a:t>非实物（金融：银行储蓄、股票、基金、债券等</a:t>
-            </a:r>
-            <a:r>
-              <a:rPr dirty="0">
-                <a:latin typeface="+mn-ea"/>
-                <a:cs typeface="+mn-ea"/>
-              </a:rPr>
-              <a:t>）</a:t>
-            </a:r>
-            <a:r>
-              <a:rPr lang="zh-CN" dirty="0">
-                <a:latin typeface="+mn-ea"/>
-                <a:cs typeface="+mn-ea"/>
-              </a:rPr>
-              <a:t>。</a:t>
-            </a:r>
-          </a:p>
-          <a:p>
-            <a:pPr marL="0" indent="0" algn="just" fontAlgn="auto">
-              <a:lnSpc>
-                <a:spcPct val="110000"/>
-              </a:lnSpc>
-              <a:spcBef>
-                <a:spcPts val="1000"/>
-              </a:spcBef>
-              <a:spcAft>
-                <a:spcPts val="1000"/>
-              </a:spcAft>
-              <a:buNone/>
-            </a:pPr>
-            <a:r>
-              <a:rPr lang="zh-CN" dirty="0">
-                <a:latin typeface="+mn-ea"/>
-                <a:cs typeface="+mn-ea"/>
-              </a:rPr>
-              <a:t> </a:t>
-            </a:r>
-            <a:r>
-              <a:rPr lang="en-US" altLang="zh-CN" dirty="0">
-                <a:latin typeface="+mn-ea"/>
-                <a:cs typeface="+mn-ea"/>
-              </a:rPr>
-              <a:t>      </a:t>
-            </a:r>
-            <a:r>
-              <a:rPr dirty="0" err="1">
-                <a:latin typeface="+mn-ea"/>
-                <a:cs typeface="+mn-ea"/>
-              </a:rPr>
-              <a:t>那么该如何选择投资呢？无风险资产（储蓄、国债等</a:t>
-            </a:r>
-            <a:r>
-              <a:rPr dirty="0">
-                <a:latin typeface="+mn-ea"/>
-                <a:cs typeface="+mn-ea"/>
-              </a:rPr>
-              <a:t>），</a:t>
-            </a:r>
-            <a:r>
-              <a:rPr dirty="0" err="1">
-                <a:latin typeface="+mn-ea"/>
-                <a:cs typeface="+mn-ea"/>
-              </a:rPr>
-              <a:t>收益率确定，当然选最高的就好；有风险资产（房地产、股票等</a:t>
-            </a:r>
-            <a:r>
-              <a:rPr dirty="0">
-                <a:latin typeface="+mn-ea"/>
-                <a:cs typeface="+mn-ea"/>
-              </a:rPr>
-              <a:t>），</a:t>
-            </a:r>
-            <a:r>
-              <a:rPr dirty="0" err="1">
-                <a:latin typeface="+mn-ea"/>
-                <a:cs typeface="+mn-ea"/>
-              </a:rPr>
-              <a:t>收益与风险并存，如何选择</a:t>
-            </a:r>
-            <a:r>
-              <a:rPr dirty="0">
-                <a:latin typeface="+mn-ea"/>
-                <a:cs typeface="+mn-ea"/>
-              </a:rPr>
-              <a:t>？</a:t>
-            </a:r>
-          </a:p>
-          <a:p>
-            <a:pPr marL="0" indent="0" algn="just" fontAlgn="auto">
-              <a:lnSpc>
-                <a:spcPct val="110000"/>
-              </a:lnSpc>
-              <a:spcBef>
-                <a:spcPts val="1000"/>
-              </a:spcBef>
-              <a:spcAft>
-                <a:spcPts val="1000"/>
-              </a:spcAft>
-              <a:buNone/>
-            </a:pPr>
-            <a:r>
-              <a:rPr lang="en-US" dirty="0">
-                <a:latin typeface="+mn-ea"/>
-                <a:cs typeface="+mn-ea"/>
-              </a:rPr>
-              <a:t>       </a:t>
-            </a:r>
-            <a:r>
-              <a:rPr dirty="0" err="1">
-                <a:latin typeface="+mn-ea"/>
-                <a:cs typeface="+mn-ea"/>
-              </a:rPr>
-              <a:t>投资要解决的矛盾：收益最大，风险最小，即需要平衡投资的收益与风险</a:t>
-            </a:r>
-            <a:r>
-              <a:rPr lang="zh-CN" dirty="0">
-                <a:latin typeface="+mn-ea"/>
-                <a:cs typeface="+mn-ea"/>
-              </a:rPr>
-              <a:t>。</a:t>
-            </a:r>
-            <a:r>
-              <a:rPr dirty="0">
-                <a:latin typeface="+mn-ea"/>
-                <a:cs typeface="+mn-ea"/>
-              </a:rPr>
-              <a:t> </a:t>
-            </a:r>
-          </a:p>
-          <a:p>
-            <a:pPr marL="0" indent="0" algn="just" fontAlgn="auto">
-              <a:lnSpc>
-                <a:spcPct val="80000"/>
-              </a:lnSpc>
-              <a:spcBef>
-                <a:spcPts val="1000"/>
-              </a:spcBef>
-              <a:spcAft>
-                <a:spcPts val="1000"/>
-              </a:spcAft>
-              <a:buNone/>
-            </a:pPr>
-            <a:endParaRPr sz="2800" dirty="0">
-              <a:latin typeface="+mn-ea"/>
-              <a:cs typeface="+mn-ea"/>
-            </a:endParaRPr>
+              <a:rPr lang="zh-CN" altLang="en-US" sz="5400" dirty="0">
+                <a:solidFill>
+                  <a:prstClr val="black"/>
+                </a:solidFill>
+                <a:latin typeface="仿宋" panose="02010609060101010101" pitchFamily="49" charset="-122"/>
+                <a:ea typeface="仿宋" panose="02010609060101010101" pitchFamily="49" charset="-122"/>
+              </a:rPr>
+              <a:t>目录</a:t>
+            </a:r>
           </a:p>
         </p:txBody>
       </p:sp>
@@ -8722,18 +9706,225 @@
   <p:clrMapOvr>
     <a:masterClrMapping/>
   </p:clrMapOvr>
-  <mc:AlternateContent xmlns:mc="http://schemas.openxmlformats.org/markup-compatibility/2006" xmlns:p14="http://schemas.microsoft.com/office/powerpoint/2010/main">
-    <mc:Choice Requires="p14">
-      <p:transition spd="slow" p14:dur="2000">
-        <p:random/>
-      </p:transition>
-    </mc:Choice>
-    <mc:Fallback xmlns="">
-      <p:transition spd="slow">
-        <p:random/>
-      </p:transition>
-    </mc:Fallback>
-  </mc:AlternateContent>
+  <p:transition spd="slow">
+    <p:random/>
+  </p:transition>
+  <p:timing>
+    <p:tnLst>
+      <p:par>
+        <p:cTn id="1" dur="indefinite" restart="never" nodeType="tmRoot">
+          <p:childTnLst>
+            <p:seq concurrent="1" nextAc="seek">
+              <p:cTn id="2" dur="indefinite" nodeType="mainSeq">
+                <p:childTnLst>
+                  <p:par>
+                    <p:cTn id="3" fill="hold">
+                      <p:stCondLst>
+                        <p:cond delay="indefinite"/>
+                        <p:cond evt="onBegin" delay="0">
+                          <p:tn val="2"/>
+                        </p:cond>
+                      </p:stCondLst>
+                      <p:childTnLst>
+                        <p:par>
+                          <p:cTn id="4" fill="hold">
+                            <p:stCondLst>
+                              <p:cond delay="0"/>
+                            </p:stCondLst>
+                            <p:childTnLst>
+                              <p:par>
+                                <p:cTn id="5" presetID="42" presetClass="entr" presetSubtype="0" fill="hold" nodeType="afterEffect">
+                                  <p:stCondLst>
+                                    <p:cond delay="0"/>
+                                  </p:stCondLst>
+                                  <p:childTnLst>
+                                    <p:set>
+                                      <p:cBhvr>
+                                        <p:cTn id="6" dur="1" fill="hold">
+                                          <p:stCondLst>
+                                            <p:cond delay="0"/>
+                                          </p:stCondLst>
+                                        </p:cTn>
+                                        <p:tgtEl>
+                                          <p:spTgt spid="12"/>
+                                        </p:tgtEl>
+                                        <p:attrNameLst>
+                                          <p:attrName>style.visibility</p:attrName>
+                                        </p:attrNameLst>
+                                      </p:cBhvr>
+                                      <p:to>
+                                        <p:strVal val="visible"/>
+                                      </p:to>
+                                    </p:set>
+                                    <p:animEffect transition="in" filter="fade">
+                                      <p:cBhvr>
+                                        <p:cTn id="7" dur="1000"/>
+                                        <p:tgtEl>
+                                          <p:spTgt spid="12"/>
+                                        </p:tgtEl>
+                                      </p:cBhvr>
+                                    </p:animEffect>
+                                    <p:anim calcmode="lin" valueType="num">
+                                      <p:cBhvr>
+                                        <p:cTn id="8" dur="1000" fill="hold"/>
+                                        <p:tgtEl>
+                                          <p:spTgt spid="12"/>
+                                        </p:tgtEl>
+                                        <p:attrNameLst>
+                                          <p:attrName>ppt_x</p:attrName>
+                                        </p:attrNameLst>
+                                      </p:cBhvr>
+                                      <p:tavLst>
+                                        <p:tav tm="0">
+                                          <p:val>
+                                            <p:strVal val="#ppt_x"/>
+                                          </p:val>
+                                        </p:tav>
+                                        <p:tav tm="100000">
+                                          <p:val>
+                                            <p:strVal val="#ppt_x"/>
+                                          </p:val>
+                                        </p:tav>
+                                      </p:tavLst>
+                                    </p:anim>
+                                    <p:anim calcmode="lin" valueType="num">
+                                      <p:cBhvr>
+                                        <p:cTn id="9" dur="1000" fill="hold"/>
+                                        <p:tgtEl>
+                                          <p:spTgt spid="12"/>
+                                        </p:tgtEl>
+                                        <p:attrNameLst>
+                                          <p:attrName>ppt_y</p:attrName>
+                                        </p:attrNameLst>
+                                      </p:cBhvr>
+                                      <p:tavLst>
+                                        <p:tav tm="0">
+                                          <p:val>
+                                            <p:strVal val="#ppt_y+.1"/>
+                                          </p:val>
+                                        </p:tav>
+                                        <p:tav tm="100000">
+                                          <p:val>
+                                            <p:strVal val="#ppt_y"/>
+                                          </p:val>
+                                        </p:tav>
+                                      </p:tavLst>
+                                    </p:anim>
+                                  </p:childTnLst>
+                                </p:cTn>
+                              </p:par>
+                              <p:par>
+                                <p:cTn id="10" presetID="42" presetClass="entr" presetSubtype="0" fill="hold" grpId="0" nodeType="withEffect">
+                                  <p:stCondLst>
+                                    <p:cond delay="0"/>
+                                  </p:stCondLst>
+                                  <p:childTnLst>
+                                    <p:set>
+                                      <p:cBhvr>
+                                        <p:cTn id="11" dur="1" fill="hold">
+                                          <p:stCondLst>
+                                            <p:cond delay="0"/>
+                                          </p:stCondLst>
+                                        </p:cTn>
+                                        <p:tgtEl>
+                                          <p:spTgt spid="8"/>
+                                        </p:tgtEl>
+                                        <p:attrNameLst>
+                                          <p:attrName>style.visibility</p:attrName>
+                                        </p:attrNameLst>
+                                      </p:cBhvr>
+                                      <p:to>
+                                        <p:strVal val="visible"/>
+                                      </p:to>
+                                    </p:set>
+                                    <p:animEffect transition="in" filter="fade">
+                                      <p:cBhvr>
+                                        <p:cTn id="12" dur="1000"/>
+                                        <p:tgtEl>
+                                          <p:spTgt spid="8"/>
+                                        </p:tgtEl>
+                                      </p:cBhvr>
+                                    </p:animEffect>
+                                    <p:anim calcmode="lin" valueType="num">
+                                      <p:cBhvr>
+                                        <p:cTn id="13" dur="1000" fill="hold"/>
+                                        <p:tgtEl>
+                                          <p:spTgt spid="8"/>
+                                        </p:tgtEl>
+                                        <p:attrNameLst>
+                                          <p:attrName>ppt_x</p:attrName>
+                                        </p:attrNameLst>
+                                      </p:cBhvr>
+                                      <p:tavLst>
+                                        <p:tav tm="0">
+                                          <p:val>
+                                            <p:strVal val="#ppt_x"/>
+                                          </p:val>
+                                        </p:tav>
+                                        <p:tav tm="100000">
+                                          <p:val>
+                                            <p:strVal val="#ppt_x"/>
+                                          </p:val>
+                                        </p:tav>
+                                      </p:tavLst>
+                                    </p:anim>
+                                    <p:anim calcmode="lin" valueType="num">
+                                      <p:cBhvr>
+                                        <p:cTn id="14" dur="1000" fill="hold"/>
+                                        <p:tgtEl>
+                                          <p:spTgt spid="8"/>
+                                        </p:tgtEl>
+                                        <p:attrNameLst>
+                                          <p:attrName>ppt_y</p:attrName>
+                                        </p:attrNameLst>
+                                      </p:cBhvr>
+                                      <p:tavLst>
+                                        <p:tav tm="0">
+                                          <p:val>
+                                            <p:strVal val="#ppt_y+.1"/>
+                                          </p:val>
+                                        </p:tav>
+                                        <p:tav tm="100000">
+                                          <p:val>
+                                            <p:strVal val="#ppt_y"/>
+                                          </p:val>
+                                        </p:tav>
+                                      </p:tavLst>
+                                    </p:anim>
+                                  </p:childTnLst>
+                                </p:cTn>
+                              </p:par>
+                            </p:childTnLst>
+                          </p:cTn>
+                        </p:par>
+                      </p:childTnLst>
+                    </p:cTn>
+                  </p:par>
+                </p:childTnLst>
+              </p:cTn>
+              <p:prevCondLst>
+                <p:cond evt="onPrev" delay="0">
+                  <p:tgtEl>
+                    <p:sldTgt/>
+                  </p:tgtEl>
+                </p:cond>
+              </p:prevCondLst>
+              <p:nextCondLst>
+                <p:cond evt="onNext" delay="0">
+                  <p:tgtEl>
+                    <p:sldTgt/>
+                  </p:tgtEl>
+                </p:cond>
+              </p:nextCondLst>
+            </p:seq>
+          </p:childTnLst>
+        </p:cTn>
+      </p:par>
+    </p:tnLst>
+    <p:bldLst>
+      <p:bldP spid="8" grpId="0"/>
+    </p:bldLst>
+  </p:timing>
 </p:sld>
 </file>
 
@@ -9782,7 +10973,63 @@
                         <a:latin typeface="Cambria Math" panose="02040503050406030204" charset="0"/>
                         <a:cs typeface="Cambria Math" panose="02040503050406030204" charset="0"/>
                       </a:rPr>
-                      <m:t> [5942.5, 47.5]</m:t>
+                      <m:t> [</m:t>
+                    </m:r>
+                    <m:r>
+                      <a:rPr lang="en-US" i="1">
+                        <a:latin typeface="Cambria Math" panose="02040503050406030204" charset="0"/>
+                        <a:cs typeface="Cambria Math" panose="02040503050406030204" charset="0"/>
+                      </a:rPr>
+                      <m:t>5942</m:t>
+                    </m:r>
+                    <m:r>
+                      <a:rPr lang="en-US" i="1">
+                        <a:latin typeface="Cambria Math" panose="02040503050406030204" charset="0"/>
+                        <a:cs typeface="Cambria Math" panose="02040503050406030204" charset="0"/>
+                      </a:rPr>
+                      <m:t>.</m:t>
+                    </m:r>
+                    <m:r>
+                      <a:rPr lang="en-US" i="1">
+                        <a:latin typeface="Cambria Math" panose="02040503050406030204" charset="0"/>
+                        <a:cs typeface="Cambria Math" panose="02040503050406030204" charset="0"/>
+                      </a:rPr>
+                      <m:t>5</m:t>
+                    </m:r>
+                    <m:r>
+                      <a:rPr lang="en-US" i="1">
+                        <a:latin typeface="Cambria Math" panose="02040503050406030204" charset="0"/>
+                        <a:cs typeface="Cambria Math" panose="02040503050406030204" charset="0"/>
+                      </a:rPr>
+                      <m:t>, </m:t>
+                    </m:r>
+                    <m:r>
+                      <a:rPr lang="en-US" i="1">
+                        <a:latin typeface="Cambria Math" panose="02040503050406030204" charset="0"/>
+                        <a:cs typeface="Cambria Math" panose="02040503050406030204" charset="0"/>
+                      </a:rPr>
+                      <m:t>47</m:t>
+                    </m:r>
+                    <m:r>
+                      <a:rPr lang="en-US" i="1">
+                        <a:latin typeface="Cambria Math" panose="02040503050406030204" charset="0"/>
+                        <a:cs typeface="Cambria Math" panose="02040503050406030204" charset="0"/>
+                      </a:rPr>
+                      <m:t>.</m:t>
+                    </m:r>
+                    <m:r>
+                      <a:rPr lang="en-US" i="1">
+                        <a:latin typeface="Cambria Math" panose="02040503050406030204" charset="0"/>
+                        <a:cs typeface="Cambria Math" panose="02040503050406030204" charset="0"/>
+                      </a:rPr>
+                      <m:t>5</m:t>
+                    </m:r>
+                    <m:r>
+                      <a:rPr lang="en-US" i="1">
+                        <a:latin typeface="Cambria Math" panose="02040503050406030204" charset="0"/>
+                        <a:cs typeface="Cambria Math" panose="02040503050406030204" charset="0"/>
+                      </a:rPr>
+                      <m:t>]</m:t>
                     </m:r>
                   </m:oMath>
                 </a14:m>
@@ -11230,8 +12477,8 @@
           <a:chExt cx="0" cy="0"/>
         </a:xfrm>
       </p:grpSpPr>
-      <mc:AlternateContent xmlns:mc="http://schemas.openxmlformats.org/markup-compatibility/2006">
-        <mc:Choice xmlns:a14="http://schemas.microsoft.com/office/drawing/2010/main" Requires="a14">
+      <mc:AlternateContent xmlns:mc="http://schemas.openxmlformats.org/markup-compatibility/2006" xmlns:a14="http://schemas.microsoft.com/office/drawing/2010/main">
+        <mc:Choice Requires="a14">
           <p:sp>
             <p:nvSpPr>
               <p:cNvPr id="3" name="内容占位符 2"/>
@@ -11851,7 +13098,7 @@
             </p:txBody>
           </p:sp>
         </mc:Choice>
-        <mc:Fallback>
+        <mc:Fallback xmlns="">
           <p:sp>
             <p:nvSpPr>
               <p:cNvPr id="3" name="内容占位符 2"/>
@@ -11989,8 +13236,8 @@
           <a:chExt cx="0" cy="0"/>
         </a:xfrm>
       </p:grpSpPr>
-      <mc:AlternateContent xmlns:mc="http://schemas.openxmlformats.org/markup-compatibility/2006">
-        <mc:Choice xmlns:a14="http://schemas.microsoft.com/office/drawing/2010/main" Requires="a14">
+      <mc:AlternateContent xmlns:mc="http://schemas.openxmlformats.org/markup-compatibility/2006" xmlns:a14="http://schemas.microsoft.com/office/drawing/2010/main">
+        <mc:Choice Requires="a14">
           <p:sp>
             <p:nvSpPr>
               <p:cNvPr id="3" name="内容占位符 2"/>
@@ -12459,7 +13706,7 @@
             </p:txBody>
           </p:sp>
         </mc:Choice>
-        <mc:Fallback>
+        <mc:Fallback xmlns="">
           <p:sp>
             <p:nvSpPr>
               <p:cNvPr id="3" name="内容占位符 2"/>
@@ -13038,8 +14285,8 @@
         </p:nvSpPr>
         <p:spPr>
           <a:xfrm>
-            <a:off x="562864" y="1001523"/>
-            <a:ext cx="11066272" cy="3360166"/>
+            <a:off x="492950" y="854583"/>
+            <a:ext cx="11206099" cy="4997577"/>
           </a:xfrm>
         </p:spPr>
         <p:txBody>
@@ -13048,7 +14295,7 @@
           <a:p>
             <a:pPr marL="0" indent="0" algn="just" fontAlgn="auto">
               <a:lnSpc>
-                <a:spcPct val="150000"/>
+                <a:spcPct val="110000"/>
               </a:lnSpc>
               <a:spcBef>
                 <a:spcPts val="1000"/>
@@ -13064,20 +14311,39 @@
                 <a:ea typeface="宋体" panose="02010600030101010101" pitchFamily="2" charset="-122"/>
                 <a:cs typeface="宋体" panose="02010600030101010101" pitchFamily="2" charset="-122"/>
               </a:rPr>
-              <a:t>    </a:t>
-            </a:r>
-            <a:r>
-              <a:rPr dirty="0">
+              <a:t>  </a:t>
+            </a:r>
+            <a:r>
+              <a:rPr lang="en-US" altLang="zh-CN" dirty="0">
+                <a:latin typeface="宋体" panose="02010600030101010101" pitchFamily="2" charset="-122"/>
+                <a:ea typeface="宋体" panose="02010600030101010101" pitchFamily="2" charset="-122"/>
+                <a:cs typeface="宋体" panose="02010600030101010101" pitchFamily="2" charset="-122"/>
+              </a:rPr>
+              <a:t>  </a:t>
+            </a:r>
+            <a:r>
+              <a:rPr dirty="0" err="1">
                 <a:latin typeface="+mn-ea"/>
                 <a:cs typeface="+mn-ea"/>
               </a:rPr>
-              <a:t>马可维茨建议，风险可以用收益的方差（或标准差）来衡量，表示成目标函数是二次函数，就是二次规划问题；收益是一个目标，风险是一个目标，投资金额是有限的，用数学模型表示就是两目标优化问题。</a:t>
-            </a:r>
+              <a:t>本章继续讨论规划模型：二次规划，多目标规划，并结合投资优化策略案例来展开</a:t>
+            </a:r>
+            <a:r>
+              <a:rPr lang="zh-CN" dirty="0">
+                <a:latin typeface="+mn-ea"/>
+                <a:cs typeface="+mn-ea"/>
+              </a:rPr>
+              <a:t>。</a:t>
+            </a:r>
+            <a:endParaRPr dirty="0">
+              <a:latin typeface="+mn-ea"/>
+              <a:cs typeface="+mn-ea"/>
+            </a:endParaRPr>
           </a:p>
           <a:p>
             <a:pPr marL="0" indent="0" algn="just" fontAlgn="auto">
               <a:lnSpc>
-                <a:spcPct val="150000"/>
+                <a:spcPct val="110000"/>
               </a:lnSpc>
               <a:spcBef>
                 <a:spcPts val="1000"/>
@@ -13088,6 +14354,52 @@
               <a:buNone/>
             </a:pPr>
             <a:r>
+              <a:rPr lang="en-US" b="1" dirty="0">
+                <a:latin typeface="+mn-ea"/>
+                <a:cs typeface="+mn-ea"/>
+              </a:rPr>
+              <a:t>       </a:t>
+            </a:r>
+            <a:r>
+              <a:rPr b="1" dirty="0" err="1">
+                <a:latin typeface="+mn-ea"/>
+                <a:cs typeface="+mn-ea"/>
+              </a:rPr>
+              <a:t>投资的基本目的：</a:t>
+            </a:r>
+            <a:r>
+              <a:rPr dirty="0" err="1">
+                <a:latin typeface="+mn-ea"/>
+                <a:cs typeface="+mn-ea"/>
+              </a:rPr>
+              <a:t>获得投资收益，实现财富的保值、增值</a:t>
+            </a:r>
+            <a:r>
+              <a:rPr lang="zh-CN" dirty="0">
+                <a:latin typeface="+mn-ea"/>
+                <a:cs typeface="+mn-ea"/>
+              </a:rPr>
+              <a:t>。</a:t>
+            </a:r>
+            <a:endParaRPr dirty="0">
+              <a:latin typeface="+mn-ea"/>
+              <a:cs typeface="+mn-ea"/>
+            </a:endParaRPr>
+          </a:p>
+          <a:p>
+            <a:pPr marL="0" indent="0" algn="just" fontAlgn="auto">
+              <a:lnSpc>
+                <a:spcPct val="110000"/>
+              </a:lnSpc>
+              <a:spcBef>
+                <a:spcPts val="1000"/>
+              </a:spcBef>
+              <a:spcAft>
+                <a:spcPts val="1000"/>
+              </a:spcAft>
+              <a:buNone/>
+            </a:pPr>
+            <a:r>
               <a:rPr lang="en-US" dirty="0">
                 <a:latin typeface="+mn-ea"/>
                 <a:cs typeface="+mn-ea"/>
@@ -13095,33 +14407,177 @@
               <a:t>       </a:t>
             </a:r>
             <a:r>
+              <a:rPr b="1" dirty="0" err="1">
+                <a:latin typeface="+mn-ea"/>
+                <a:cs typeface="+mn-ea"/>
+              </a:rPr>
+              <a:t>投资的选择有：</a:t>
+            </a:r>
+            <a:r>
               <a:rPr dirty="0" err="1">
                 <a:latin typeface="+mn-ea"/>
                 <a:cs typeface="+mn-ea"/>
               </a:rPr>
-              <a:t>本章用到的编程技术是，用</a:t>
+              <a:t>实物（房地产、艺术品、黄金等</a:t>
             </a:r>
             <a:r>
               <a:rPr dirty="0">
                 <a:latin typeface="+mn-ea"/>
                 <a:cs typeface="+mn-ea"/>
               </a:rPr>
-              <a:t> MATLAB </a:t>
+              <a:t>），</a:t>
             </a:r>
             <a:r>
               <a:rPr dirty="0" err="1">
                 <a:latin typeface="+mn-ea"/>
                 <a:cs typeface="+mn-ea"/>
               </a:rPr>
-              <a:t>求解二次规划，与多目标规划</a:t>
+              <a:t>非实物（金融：银行储蓄、股票、基金、债券等</a:t>
             </a:r>
             <a:r>
               <a:rPr dirty="0">
                 <a:latin typeface="+mn-ea"/>
                 <a:cs typeface="+mn-ea"/>
               </a:rPr>
+              <a:t>）</a:t>
+            </a:r>
+            <a:r>
+              <a:rPr lang="zh-CN" dirty="0">
+                <a:latin typeface="+mn-ea"/>
+                <a:cs typeface="+mn-ea"/>
+              </a:rPr>
               <a:t>。</a:t>
             </a:r>
+          </a:p>
+          <a:p>
+            <a:pPr marL="0" indent="0" algn="just" fontAlgn="auto">
+              <a:lnSpc>
+                <a:spcPct val="110000"/>
+              </a:lnSpc>
+              <a:spcBef>
+                <a:spcPts val="1000"/>
+              </a:spcBef>
+              <a:spcAft>
+                <a:spcPts val="1000"/>
+              </a:spcAft>
+              <a:buNone/>
+            </a:pPr>
+            <a:r>
+              <a:rPr lang="zh-CN" dirty="0">
+                <a:latin typeface="+mn-ea"/>
+                <a:cs typeface="+mn-ea"/>
+              </a:rPr>
+              <a:t> </a:t>
+            </a:r>
+            <a:r>
+              <a:rPr lang="en-US" altLang="zh-CN" dirty="0">
+                <a:latin typeface="+mn-ea"/>
+                <a:cs typeface="+mn-ea"/>
+              </a:rPr>
+              <a:t>      </a:t>
+            </a:r>
+            <a:r>
+              <a:rPr dirty="0" err="1">
+                <a:latin typeface="+mn-ea"/>
+                <a:cs typeface="+mn-ea"/>
+              </a:rPr>
+              <a:t>那么该如何选择投资呢？无风险资产（储蓄、国债等</a:t>
+            </a:r>
+            <a:r>
+              <a:rPr dirty="0">
+                <a:latin typeface="+mn-ea"/>
+                <a:cs typeface="+mn-ea"/>
+              </a:rPr>
+              <a:t>），</a:t>
+            </a:r>
+            <a:r>
+              <a:rPr dirty="0" err="1">
+                <a:latin typeface="+mn-ea"/>
+                <a:cs typeface="+mn-ea"/>
+              </a:rPr>
+              <a:t>收益率确定，当然选最高的就好；有风险资产（房地产、股票等</a:t>
+            </a:r>
+            <a:r>
+              <a:rPr dirty="0">
+                <a:latin typeface="+mn-ea"/>
+                <a:cs typeface="+mn-ea"/>
+              </a:rPr>
+              <a:t>），</a:t>
+            </a:r>
+            <a:r>
+              <a:rPr dirty="0" err="1">
+                <a:latin typeface="+mn-ea"/>
+                <a:cs typeface="+mn-ea"/>
+              </a:rPr>
+              <a:t>收益与风险并存，如何选择</a:t>
+            </a:r>
+            <a:r>
+              <a:rPr dirty="0">
+                <a:latin typeface="+mn-ea"/>
+                <a:cs typeface="+mn-ea"/>
+              </a:rPr>
+              <a:t>？</a:t>
+            </a:r>
+          </a:p>
+          <a:p>
+            <a:pPr marL="0" indent="0" algn="just" fontAlgn="auto">
+              <a:lnSpc>
+                <a:spcPct val="110000"/>
+              </a:lnSpc>
+              <a:spcBef>
+                <a:spcPts val="1000"/>
+              </a:spcBef>
+              <a:spcAft>
+                <a:spcPts val="1000"/>
+              </a:spcAft>
+              <a:buNone/>
+            </a:pPr>
+            <a:r>
+              <a:rPr lang="en-US" dirty="0">
+                <a:latin typeface="+mn-ea"/>
+                <a:cs typeface="+mn-ea"/>
+              </a:rPr>
+              <a:t>       </a:t>
+            </a:r>
+            <a:r>
+              <a:rPr dirty="0" err="1">
+                <a:latin typeface="+mn-ea"/>
+                <a:cs typeface="+mn-ea"/>
+              </a:rPr>
+              <a:t>投资要解决的矛盾：收益最大，风险最小，即需要平衡投资的收益与风险</a:t>
+            </a:r>
+            <a:r>
+              <a:rPr lang="zh-CN" dirty="0">
+                <a:latin typeface="+mn-ea"/>
+                <a:cs typeface="+mn-ea"/>
+              </a:rPr>
+              <a:t>。</a:t>
+            </a:r>
+            <a:r>
+              <a:rPr dirty="0">
+                <a:latin typeface="+mn-ea"/>
+                <a:cs typeface="+mn-ea"/>
+              </a:rPr>
+              <a:t> </a:t>
+            </a:r>
+          </a:p>
+          <a:p>
+            <a:pPr marL="0" indent="0" algn="just" fontAlgn="auto">
+              <a:lnSpc>
+                <a:spcPct val="80000"/>
+              </a:lnSpc>
+              <a:spcBef>
+                <a:spcPts val="1000"/>
+              </a:spcBef>
+              <a:spcAft>
+                <a:spcPts val="1000"/>
+              </a:spcAft>
+              <a:buNone/>
+            </a:pPr>
+            <a:endParaRPr sz="2800" dirty="0">
+              <a:latin typeface="+mn-ea"/>
+              <a:cs typeface="+mn-ea"/>
+            </a:endParaRPr>
           </a:p>
         </p:txBody>
       </p:sp>
@@ -19809,8 +21265,8 @@
           <a:chExt cx="0" cy="0"/>
         </a:xfrm>
       </p:grpSpPr>
-      <mc:AlternateContent xmlns:mc="http://schemas.openxmlformats.org/markup-compatibility/2006">
-        <mc:Choice xmlns:a14="http://schemas.microsoft.com/office/drawing/2010/main" Requires="a14">
+      <mc:AlternateContent xmlns:mc="http://schemas.openxmlformats.org/markup-compatibility/2006" xmlns:a14="http://schemas.microsoft.com/office/drawing/2010/main">
+        <mc:Choice Requires="a14">
           <p:sp>
             <p:nvSpPr>
               <p:cNvPr id="3" name="内容占位符 2"/>
@@ -20147,7 +21603,7 @@
             </p:txBody>
           </p:sp>
         </mc:Choice>
-        <mc:Fallback>
+        <mc:Fallback xmlns="">
           <p:sp>
             <p:nvSpPr>
               <p:cNvPr id="3" name="内容占位符 2"/>
@@ -20465,1153 +21921,101 @@
           <a:chExt cx="0" cy="0"/>
         </a:xfrm>
       </p:grpSpPr>
-      <p:grpSp>
-        <p:nvGrpSpPr>
-          <p:cNvPr id="12" name="组合 11"/>
-          <p:cNvGrpSpPr/>
-          <p:nvPr/>
-        </p:nvGrpSpPr>
-        <p:grpSpPr>
-          <a:xfrm>
-            <a:off x="1680122" y="2273400"/>
-            <a:ext cx="2629437" cy="2493177"/>
-            <a:chOff x="3028" y="3041"/>
-            <a:chExt cx="5420" cy="5361"/>
-          </a:xfrm>
-        </p:grpSpPr>
-        <p:sp>
-          <p:nvSpPr>
-            <p:cNvPr id="9" name="椭圆 8"/>
-            <p:cNvSpPr/>
-            <p:nvPr/>
-          </p:nvSpPr>
-          <p:spPr>
-            <a:xfrm>
-              <a:off x="3028" y="3041"/>
-              <a:ext cx="4511" cy="4907"/>
-            </a:xfrm>
-            <a:prstGeom prst="ellipse">
-              <a:avLst/>
-            </a:prstGeom>
-            <a:solidFill>
-              <a:srgbClr val="C0C9BE">
-                <a:alpha val="74000"/>
-              </a:srgbClr>
-            </a:solidFill>
-            <a:ln>
-              <a:noFill/>
-            </a:ln>
-          </p:spPr>
-          <p:style>
-            <a:lnRef idx="2">
-              <a:schemeClr val="accent1">
-                <a:shade val="50000"/>
-              </a:schemeClr>
-            </a:lnRef>
-            <a:fillRef idx="1">
-              <a:schemeClr val="accent1"/>
-            </a:fillRef>
-            <a:effectRef idx="0">
-              <a:schemeClr val="accent1"/>
-            </a:effectRef>
-            <a:fontRef idx="minor">
-              <a:schemeClr val="lt1"/>
-            </a:fontRef>
-          </p:style>
-          <p:txBody>
-            <a:bodyPr rtlCol="0" anchor="ctr"/>
-            <a:lstStyle/>
-            <a:p>
-              <a:pPr algn="ctr"/>
-              <a:endParaRPr lang="zh-CN" altLang="en-US"/>
-            </a:p>
-          </p:txBody>
-        </p:sp>
-        <p:sp>
-          <p:nvSpPr>
-            <p:cNvPr id="10" name="椭圆 9"/>
-            <p:cNvSpPr/>
-            <p:nvPr/>
-          </p:nvSpPr>
-          <p:spPr>
-            <a:xfrm>
-              <a:off x="3937" y="3495"/>
-              <a:ext cx="4511" cy="4907"/>
-            </a:xfrm>
-            <a:prstGeom prst="ellipse">
-              <a:avLst/>
-            </a:prstGeom>
-            <a:noFill/>
-            <a:ln>
-              <a:solidFill>
-                <a:srgbClr val="90A08D"/>
-              </a:solidFill>
-              <a:prstDash val="lgDashDot"/>
-            </a:ln>
-          </p:spPr>
-          <p:style>
-            <a:lnRef idx="2">
-              <a:schemeClr val="accent1">
-                <a:shade val="50000"/>
-              </a:schemeClr>
-            </a:lnRef>
-            <a:fillRef idx="1">
-              <a:schemeClr val="accent1"/>
-            </a:fillRef>
-            <a:effectRef idx="0">
-              <a:schemeClr val="accent1"/>
-            </a:effectRef>
-            <a:fontRef idx="minor">
-              <a:schemeClr val="lt1"/>
-            </a:fontRef>
-          </p:style>
-          <p:txBody>
-            <a:bodyPr rtlCol="0" anchor="ctr"/>
-            <a:lstStyle/>
-            <a:p>
-              <a:pPr algn="ctr"/>
-              <a:endParaRPr lang="zh-CN" altLang="en-US"/>
-            </a:p>
-          </p:txBody>
-        </p:sp>
-      </p:grpSp>
-      <p:grpSp>
-        <p:nvGrpSpPr>
-          <p:cNvPr id="5" name="组合 4"/>
-          <p:cNvGrpSpPr/>
-          <p:nvPr/>
-        </p:nvGrpSpPr>
-        <p:grpSpPr>
-          <a:xfrm>
-            <a:off x="5351780" y="2101850"/>
-            <a:ext cx="4916170" cy="2453640"/>
-            <a:chOff x="8428" y="2061"/>
-            <a:chExt cx="7742" cy="3864"/>
-          </a:xfrm>
-        </p:grpSpPr>
-        <p:sp>
-          <p:nvSpPr>
-            <p:cNvPr id="11" name="TextBox 32"/>
-            <p:cNvSpPr txBox="1">
-              <a:spLocks noChangeArrowheads="1"/>
-            </p:cNvSpPr>
-            <p:nvPr/>
-          </p:nvSpPr>
-          <p:spPr bwMode="auto">
-            <a:xfrm>
-              <a:off x="10198" y="5015"/>
-              <a:ext cx="5855" cy="725"/>
-            </a:xfrm>
-            <a:prstGeom prst="rect">
-              <a:avLst/>
-            </a:prstGeom>
-            <a:noFill/>
-            <a:ln>
-              <a:noFill/>
-            </a:ln>
-            <a:extLst>
-              <a:ext uri="{909E8E84-426E-40DD-AFC4-6F175D3DCCD1}">
-                <a14:hiddenFill xmlns:a14="http://schemas.microsoft.com/office/drawing/2010/main">
-                  <a:solidFill>
-                    <a:srgbClr val="FFFFFF"/>
-                  </a:solidFill>
-                </a14:hiddenFill>
-              </a:ext>
-              <a:ext uri="{91240B29-F687-4F45-9708-019B960494DF}">
-                <a14:hiddenLine xmlns:a14="http://schemas.microsoft.com/office/drawing/2010/main" w="9525">
-                  <a:solidFill>
-                    <a:srgbClr val="000000"/>
-                  </a:solidFill>
-                  <a:miter lim="800000"/>
-                  <a:headEnd/>
-                  <a:tailEnd/>
-                </a14:hiddenLine>
-              </a:ext>
-            </a:extLst>
-          </p:spPr>
-          <p:txBody>
-            <a:bodyPr wrap="square">
-              <a:spAutoFit/>
-            </a:bodyPr>
-            <a:lstStyle>
-              <a:lvl1pPr eaLnBrk="0" hangingPunct="0">
-                <a:defRPr>
-                  <a:solidFill>
-                    <a:schemeClr val="tx1"/>
-                  </a:solidFill>
-                  <a:latin typeface="Calibri" panose="020F0502020204030204" pitchFamily="34" charset="0"/>
-                  <a:ea typeface="宋体" panose="02010600030101010101" pitchFamily="2" charset="-122"/>
-                </a:defRPr>
-              </a:lvl1pPr>
-              <a:lvl2pPr marL="742950" indent="-285750" eaLnBrk="0" hangingPunct="0">
-                <a:defRPr>
-                  <a:solidFill>
-                    <a:schemeClr val="tx1"/>
-                  </a:solidFill>
-                  <a:latin typeface="Calibri" panose="020F0502020204030204" pitchFamily="34" charset="0"/>
-                  <a:ea typeface="宋体" panose="02010600030101010101" pitchFamily="2" charset="-122"/>
-                </a:defRPr>
-              </a:lvl2pPr>
-              <a:lvl3pPr marL="1143000" indent="-228600" eaLnBrk="0" hangingPunct="0">
-                <a:defRPr>
-                  <a:solidFill>
-                    <a:schemeClr val="tx1"/>
-                  </a:solidFill>
-                  <a:latin typeface="Calibri" panose="020F0502020204030204" pitchFamily="34" charset="0"/>
-                  <a:ea typeface="宋体" panose="02010600030101010101" pitchFamily="2" charset="-122"/>
-                </a:defRPr>
-              </a:lvl3pPr>
-              <a:lvl4pPr marL="1600200" indent="-228600" eaLnBrk="0" hangingPunct="0">
-                <a:defRPr>
-                  <a:solidFill>
-                    <a:schemeClr val="tx1"/>
-                  </a:solidFill>
-                  <a:latin typeface="Calibri" panose="020F0502020204030204" pitchFamily="34" charset="0"/>
-                  <a:ea typeface="宋体" panose="02010600030101010101" pitchFamily="2" charset="-122"/>
-                </a:defRPr>
-              </a:lvl4pPr>
-              <a:lvl5pPr marL="2057400" indent="-228600" eaLnBrk="0" hangingPunct="0">
-                <a:defRPr>
-                  <a:solidFill>
-                    <a:schemeClr val="tx1"/>
-                  </a:solidFill>
-                  <a:latin typeface="Calibri" panose="020F0502020204030204" pitchFamily="34" charset="0"/>
-                  <a:ea typeface="宋体" panose="02010600030101010101" pitchFamily="2" charset="-122"/>
-                </a:defRPr>
-              </a:lvl5pPr>
-              <a:lvl6pPr marL="2514600" indent="-228600" eaLnBrk="0" fontAlgn="base" hangingPunct="0">
-                <a:spcBef>
-                  <a:spcPct val="0"/>
-                </a:spcBef>
-                <a:spcAft>
-                  <a:spcPct val="0"/>
-                </a:spcAft>
-                <a:buFont typeface="Arial" panose="020B0604020202020204" pitchFamily="34" charset="0"/>
-                <a:defRPr>
-                  <a:solidFill>
-                    <a:schemeClr val="tx1"/>
-                  </a:solidFill>
-                  <a:latin typeface="Calibri" panose="020F0502020204030204" pitchFamily="34" charset="0"/>
-                  <a:ea typeface="宋体" panose="02010600030101010101" pitchFamily="2" charset="-122"/>
-                </a:defRPr>
-              </a:lvl6pPr>
-              <a:lvl7pPr marL="2971800" indent="-228600" eaLnBrk="0" fontAlgn="base" hangingPunct="0">
-                <a:spcBef>
-                  <a:spcPct val="0"/>
-                </a:spcBef>
-                <a:spcAft>
-                  <a:spcPct val="0"/>
-                </a:spcAft>
-                <a:buFont typeface="Arial" panose="020B0604020202020204" pitchFamily="34" charset="0"/>
-                <a:defRPr>
-                  <a:solidFill>
-                    <a:schemeClr val="tx1"/>
-                  </a:solidFill>
-                  <a:latin typeface="Calibri" panose="020F0502020204030204" pitchFamily="34" charset="0"/>
-                  <a:ea typeface="宋体" panose="02010600030101010101" pitchFamily="2" charset="-122"/>
-                </a:defRPr>
-              </a:lvl7pPr>
-              <a:lvl8pPr marL="3429000" indent="-228600" eaLnBrk="0" fontAlgn="base" hangingPunct="0">
-                <a:spcBef>
-                  <a:spcPct val="0"/>
-                </a:spcBef>
-                <a:spcAft>
-                  <a:spcPct val="0"/>
-                </a:spcAft>
-                <a:buFont typeface="Arial" panose="020B0604020202020204" pitchFamily="34" charset="0"/>
-                <a:defRPr>
-                  <a:solidFill>
-                    <a:schemeClr val="tx1"/>
-                  </a:solidFill>
-                  <a:latin typeface="Calibri" panose="020F0502020204030204" pitchFamily="34" charset="0"/>
-                  <a:ea typeface="宋体" panose="02010600030101010101" pitchFamily="2" charset="-122"/>
-                </a:defRPr>
-              </a:lvl8pPr>
-              <a:lvl9pPr marL="3886200" indent="-228600" eaLnBrk="0" fontAlgn="base" hangingPunct="0">
-                <a:spcBef>
-                  <a:spcPct val="0"/>
-                </a:spcBef>
-                <a:spcAft>
-                  <a:spcPct val="0"/>
-                </a:spcAft>
-                <a:buFont typeface="Arial" panose="020B0604020202020204" pitchFamily="34" charset="0"/>
-                <a:defRPr>
-                  <a:solidFill>
-                    <a:schemeClr val="tx1"/>
-                  </a:solidFill>
-                  <a:latin typeface="Calibri" panose="020F0502020204030204" pitchFamily="34" charset="0"/>
-                  <a:ea typeface="宋体" panose="02010600030101010101" pitchFamily="2" charset="-122"/>
-                </a:defRPr>
-              </a:lvl9pPr>
-            </a:lstStyle>
-            <a:p>
-              <a:pPr algn="l"/>
-              <a:r>
-                <a:rPr lang="zh-CN" altLang="en-US" sz="2400" b="1" dirty="0">
-                  <a:solidFill>
-                    <a:schemeClr val="tx1">
-                      <a:lumMod val="75000"/>
-                      <a:lumOff val="25000"/>
-                    </a:schemeClr>
-                  </a:solidFill>
-                  <a:latin typeface="仿宋" panose="02010609060101010101" pitchFamily="49" charset="-122"/>
-                  <a:ea typeface="仿宋" panose="02010609060101010101" pitchFamily="49" charset="-122"/>
-                  <a:sym typeface="+mn-ea"/>
-                </a:rPr>
-                <a:t>马科维茨均值-方差模型</a:t>
-              </a:r>
-            </a:p>
-          </p:txBody>
-        </p:sp>
-        <p:sp>
-          <p:nvSpPr>
-            <p:cNvPr id="16" name="TextBox 32"/>
-            <p:cNvSpPr txBox="1">
-              <a:spLocks noChangeArrowheads="1"/>
-            </p:cNvSpPr>
-            <p:nvPr/>
-          </p:nvSpPr>
-          <p:spPr bwMode="auto">
-            <a:xfrm>
-              <a:off x="8466" y="5015"/>
-              <a:ext cx="940" cy="911"/>
-            </a:xfrm>
-            <a:prstGeom prst="roundRect">
-              <a:avLst/>
-            </a:prstGeom>
-            <a:solidFill>
-              <a:srgbClr val="90A08D"/>
-            </a:solidFill>
-            <a:ln w="28575">
-              <a:noFill/>
-            </a:ln>
-          </p:spPr>
-          <p:txBody>
-            <a:bodyPr wrap="none">
-              <a:spAutoFit/>
-            </a:bodyPr>
-            <a:lstStyle>
-              <a:lvl1pPr eaLnBrk="0" hangingPunct="0">
-                <a:defRPr>
-                  <a:solidFill>
-                    <a:schemeClr val="tx1"/>
-                  </a:solidFill>
-                  <a:latin typeface="Calibri" panose="020F0502020204030204" pitchFamily="34" charset="0"/>
-                  <a:ea typeface="宋体" panose="02010600030101010101" pitchFamily="2" charset="-122"/>
-                </a:defRPr>
-              </a:lvl1pPr>
-              <a:lvl2pPr marL="742950" indent="-285750" eaLnBrk="0" hangingPunct="0">
-                <a:defRPr>
-                  <a:solidFill>
-                    <a:schemeClr val="tx1"/>
-                  </a:solidFill>
-                  <a:latin typeface="Calibri" panose="020F0502020204030204" pitchFamily="34" charset="0"/>
-                  <a:ea typeface="宋体" panose="02010600030101010101" pitchFamily="2" charset="-122"/>
-                </a:defRPr>
-              </a:lvl2pPr>
-              <a:lvl3pPr marL="1143000" indent="-228600" eaLnBrk="0" hangingPunct="0">
-                <a:defRPr>
-                  <a:solidFill>
-                    <a:schemeClr val="tx1"/>
-                  </a:solidFill>
-                  <a:latin typeface="Calibri" panose="020F0502020204030204" pitchFamily="34" charset="0"/>
-                  <a:ea typeface="宋体" panose="02010600030101010101" pitchFamily="2" charset="-122"/>
-                </a:defRPr>
-              </a:lvl3pPr>
-              <a:lvl4pPr marL="1600200" indent="-228600" eaLnBrk="0" hangingPunct="0">
-                <a:defRPr>
-                  <a:solidFill>
-                    <a:schemeClr val="tx1"/>
-                  </a:solidFill>
-                  <a:latin typeface="Calibri" panose="020F0502020204030204" pitchFamily="34" charset="0"/>
-                  <a:ea typeface="宋体" panose="02010600030101010101" pitchFamily="2" charset="-122"/>
-                </a:defRPr>
-              </a:lvl4pPr>
-              <a:lvl5pPr marL="2057400" indent="-228600" eaLnBrk="0" hangingPunct="0">
-                <a:defRPr>
-                  <a:solidFill>
-                    <a:schemeClr val="tx1"/>
-                  </a:solidFill>
-                  <a:latin typeface="Calibri" panose="020F0502020204030204" pitchFamily="34" charset="0"/>
-                  <a:ea typeface="宋体" panose="02010600030101010101" pitchFamily="2" charset="-122"/>
-                </a:defRPr>
-              </a:lvl5pPr>
-              <a:lvl6pPr marL="2514600" indent="-228600" eaLnBrk="0" fontAlgn="base" hangingPunct="0">
-                <a:spcBef>
-                  <a:spcPct val="0"/>
-                </a:spcBef>
-                <a:spcAft>
-                  <a:spcPct val="0"/>
-                </a:spcAft>
-                <a:buFont typeface="Arial" panose="020B0604020202020204" pitchFamily="34" charset="0"/>
-                <a:defRPr>
-                  <a:solidFill>
-                    <a:schemeClr val="tx1"/>
-                  </a:solidFill>
-                  <a:latin typeface="Calibri" panose="020F0502020204030204" pitchFamily="34" charset="0"/>
-                  <a:ea typeface="宋体" panose="02010600030101010101" pitchFamily="2" charset="-122"/>
-                </a:defRPr>
-              </a:lvl6pPr>
-              <a:lvl7pPr marL="2971800" indent="-228600" eaLnBrk="0" fontAlgn="base" hangingPunct="0">
-                <a:spcBef>
-                  <a:spcPct val="0"/>
-                </a:spcBef>
-                <a:spcAft>
-                  <a:spcPct val="0"/>
-                </a:spcAft>
-                <a:buFont typeface="Arial" panose="020B0604020202020204" pitchFamily="34" charset="0"/>
-                <a:defRPr>
-                  <a:solidFill>
-                    <a:schemeClr val="tx1"/>
-                  </a:solidFill>
-                  <a:latin typeface="Calibri" panose="020F0502020204030204" pitchFamily="34" charset="0"/>
-                  <a:ea typeface="宋体" panose="02010600030101010101" pitchFamily="2" charset="-122"/>
-                </a:defRPr>
-              </a:lvl7pPr>
-              <a:lvl8pPr marL="3429000" indent="-228600" eaLnBrk="0" fontAlgn="base" hangingPunct="0">
-                <a:spcBef>
-                  <a:spcPct val="0"/>
-                </a:spcBef>
-                <a:spcAft>
-                  <a:spcPct val="0"/>
-                </a:spcAft>
-                <a:buFont typeface="Arial" panose="020B0604020202020204" pitchFamily="34" charset="0"/>
-                <a:defRPr>
-                  <a:solidFill>
-                    <a:schemeClr val="tx1"/>
-                  </a:solidFill>
-                  <a:latin typeface="Calibri" panose="020F0502020204030204" pitchFamily="34" charset="0"/>
-                  <a:ea typeface="宋体" panose="02010600030101010101" pitchFamily="2" charset="-122"/>
-                </a:defRPr>
-              </a:lvl8pPr>
-              <a:lvl9pPr marL="3886200" indent="-228600" eaLnBrk="0" fontAlgn="base" hangingPunct="0">
-                <a:spcBef>
-                  <a:spcPct val="0"/>
-                </a:spcBef>
-                <a:spcAft>
-                  <a:spcPct val="0"/>
-                </a:spcAft>
-                <a:buFont typeface="Arial" panose="020B0604020202020204" pitchFamily="34" charset="0"/>
-                <a:defRPr>
-                  <a:solidFill>
-                    <a:schemeClr val="tx1"/>
-                  </a:solidFill>
-                  <a:latin typeface="Calibri" panose="020F0502020204030204" pitchFamily="34" charset="0"/>
-                  <a:ea typeface="宋体" panose="02010600030101010101" pitchFamily="2" charset="-122"/>
-                </a:defRPr>
-              </a:lvl9pPr>
-            </a:lstStyle>
-            <a:p>
-              <a:pPr eaLnBrk="1" hangingPunct="1"/>
-              <a:r>
-                <a:rPr lang="zh-CN" altLang="en-US" sz="2800" b="1" dirty="0">
-                  <a:solidFill>
-                    <a:schemeClr val="bg1"/>
-                  </a:solidFill>
-                  <a:latin typeface="Yuanti SC" charset="-122"/>
-                  <a:ea typeface="Yuanti SC" charset="-122"/>
-                  <a:cs typeface="Yuanti SC" charset="-122"/>
-                </a:rPr>
-                <a:t>三</a:t>
-              </a:r>
-            </a:p>
-          </p:txBody>
-        </p:sp>
-        <p:sp>
-          <p:nvSpPr>
-            <p:cNvPr id="17" name="TextBox 32"/>
-            <p:cNvSpPr txBox="1">
-              <a:spLocks noChangeArrowheads="1"/>
-            </p:cNvSpPr>
-            <p:nvPr/>
-          </p:nvSpPr>
-          <p:spPr bwMode="auto">
-            <a:xfrm>
-              <a:off x="10198" y="2154"/>
-              <a:ext cx="5973" cy="725"/>
-            </a:xfrm>
-            <a:prstGeom prst="rect">
-              <a:avLst/>
-            </a:prstGeom>
-            <a:noFill/>
-            <a:ln>
-              <a:noFill/>
-            </a:ln>
-            <a:extLst>
-              <a:ext uri="{909E8E84-426E-40DD-AFC4-6F175D3DCCD1}">
-                <a14:hiddenFill xmlns:a14="http://schemas.microsoft.com/office/drawing/2010/main">
-                  <a:solidFill>
-                    <a:srgbClr val="FFFFFF"/>
-                  </a:solidFill>
-                </a14:hiddenFill>
-              </a:ext>
-              <a:ext uri="{91240B29-F687-4F45-9708-019B960494DF}">
-                <a14:hiddenLine xmlns:a14="http://schemas.microsoft.com/office/drawing/2010/main" w="9525">
-                  <a:solidFill>
-                    <a:srgbClr val="000000"/>
-                  </a:solidFill>
-                  <a:miter lim="800000"/>
-                  <a:headEnd/>
-                  <a:tailEnd/>
-                </a14:hiddenLine>
-              </a:ext>
-            </a:extLst>
-          </p:spPr>
-          <p:txBody>
-            <a:bodyPr wrap="square">
-              <a:spAutoFit/>
-            </a:bodyPr>
-            <a:lstStyle>
-              <a:lvl1pPr eaLnBrk="0" hangingPunct="0">
-                <a:defRPr>
-                  <a:solidFill>
-                    <a:schemeClr val="tx1"/>
-                  </a:solidFill>
-                  <a:latin typeface="Calibri" panose="020F0502020204030204" pitchFamily="34" charset="0"/>
-                  <a:ea typeface="宋体" panose="02010600030101010101" pitchFamily="2" charset="-122"/>
-                </a:defRPr>
-              </a:lvl1pPr>
-              <a:lvl2pPr marL="742950" indent="-285750" eaLnBrk="0" hangingPunct="0">
-                <a:defRPr>
-                  <a:solidFill>
-                    <a:schemeClr val="tx1"/>
-                  </a:solidFill>
-                  <a:latin typeface="Calibri" panose="020F0502020204030204" pitchFamily="34" charset="0"/>
-                  <a:ea typeface="宋体" panose="02010600030101010101" pitchFamily="2" charset="-122"/>
-                </a:defRPr>
-              </a:lvl2pPr>
-              <a:lvl3pPr marL="1143000" indent="-228600" eaLnBrk="0" hangingPunct="0">
-                <a:defRPr>
-                  <a:solidFill>
-                    <a:schemeClr val="tx1"/>
-                  </a:solidFill>
-                  <a:latin typeface="Calibri" panose="020F0502020204030204" pitchFamily="34" charset="0"/>
-                  <a:ea typeface="宋体" panose="02010600030101010101" pitchFamily="2" charset="-122"/>
-                </a:defRPr>
-              </a:lvl3pPr>
-              <a:lvl4pPr marL="1600200" indent="-228600" eaLnBrk="0" hangingPunct="0">
-                <a:defRPr>
-                  <a:solidFill>
-                    <a:schemeClr val="tx1"/>
-                  </a:solidFill>
-                  <a:latin typeface="Calibri" panose="020F0502020204030204" pitchFamily="34" charset="0"/>
-                  <a:ea typeface="宋体" panose="02010600030101010101" pitchFamily="2" charset="-122"/>
-                </a:defRPr>
-              </a:lvl4pPr>
-              <a:lvl5pPr marL="2057400" indent="-228600" eaLnBrk="0" hangingPunct="0">
-                <a:defRPr>
-                  <a:solidFill>
-                    <a:schemeClr val="tx1"/>
-                  </a:solidFill>
-                  <a:latin typeface="Calibri" panose="020F0502020204030204" pitchFamily="34" charset="0"/>
-                  <a:ea typeface="宋体" panose="02010600030101010101" pitchFamily="2" charset="-122"/>
-                </a:defRPr>
-              </a:lvl5pPr>
-              <a:lvl6pPr marL="2514600" indent="-228600" eaLnBrk="0" fontAlgn="base" hangingPunct="0">
-                <a:spcBef>
-                  <a:spcPct val="0"/>
-                </a:spcBef>
-                <a:spcAft>
-                  <a:spcPct val="0"/>
-                </a:spcAft>
-                <a:buFont typeface="Arial" panose="020B0604020202020204" pitchFamily="34" charset="0"/>
-                <a:defRPr>
-                  <a:solidFill>
-                    <a:schemeClr val="tx1"/>
-                  </a:solidFill>
-                  <a:latin typeface="Calibri" panose="020F0502020204030204" pitchFamily="34" charset="0"/>
-                  <a:ea typeface="宋体" panose="02010600030101010101" pitchFamily="2" charset="-122"/>
-                </a:defRPr>
-              </a:lvl6pPr>
-              <a:lvl7pPr marL="2971800" indent="-228600" eaLnBrk="0" fontAlgn="base" hangingPunct="0">
-                <a:spcBef>
-                  <a:spcPct val="0"/>
-                </a:spcBef>
-                <a:spcAft>
-                  <a:spcPct val="0"/>
-                </a:spcAft>
-                <a:buFont typeface="Arial" panose="020B0604020202020204" pitchFamily="34" charset="0"/>
-                <a:defRPr>
-                  <a:solidFill>
-                    <a:schemeClr val="tx1"/>
-                  </a:solidFill>
-                  <a:latin typeface="Calibri" panose="020F0502020204030204" pitchFamily="34" charset="0"/>
-                  <a:ea typeface="宋体" panose="02010600030101010101" pitchFamily="2" charset="-122"/>
-                </a:defRPr>
-              </a:lvl7pPr>
-              <a:lvl8pPr marL="3429000" indent="-228600" eaLnBrk="0" fontAlgn="base" hangingPunct="0">
-                <a:spcBef>
-                  <a:spcPct val="0"/>
-                </a:spcBef>
-                <a:spcAft>
-                  <a:spcPct val="0"/>
-                </a:spcAft>
-                <a:buFont typeface="Arial" panose="020B0604020202020204" pitchFamily="34" charset="0"/>
-                <a:defRPr>
-                  <a:solidFill>
-                    <a:schemeClr val="tx1"/>
-                  </a:solidFill>
-                  <a:latin typeface="Calibri" panose="020F0502020204030204" pitchFamily="34" charset="0"/>
-                  <a:ea typeface="宋体" panose="02010600030101010101" pitchFamily="2" charset="-122"/>
-                </a:defRPr>
-              </a:lvl8pPr>
-              <a:lvl9pPr marL="3886200" indent="-228600" eaLnBrk="0" fontAlgn="base" hangingPunct="0">
-                <a:spcBef>
-                  <a:spcPct val="0"/>
-                </a:spcBef>
-                <a:spcAft>
-                  <a:spcPct val="0"/>
-                </a:spcAft>
-                <a:buFont typeface="Arial" panose="020B0604020202020204" pitchFamily="34" charset="0"/>
-                <a:defRPr>
-                  <a:solidFill>
-                    <a:schemeClr val="tx1"/>
-                  </a:solidFill>
-                  <a:latin typeface="Calibri" panose="020F0502020204030204" pitchFamily="34" charset="0"/>
-                  <a:ea typeface="宋体" panose="02010600030101010101" pitchFamily="2" charset="-122"/>
-                </a:defRPr>
-              </a:lvl9pPr>
-            </a:lstStyle>
-            <a:p>
-              <a:pPr algn="l"/>
-              <a:r>
-                <a:rPr sz="2400" b="1" dirty="0">
-                  <a:solidFill>
-                    <a:schemeClr val="tx1">
-                      <a:lumMod val="75000"/>
-                      <a:lumOff val="25000"/>
-                    </a:schemeClr>
-                  </a:solidFill>
-                  <a:latin typeface="仿宋" panose="02010609060101010101" pitchFamily="49" charset="-122"/>
-                  <a:ea typeface="仿宋" panose="02010609060101010101" pitchFamily="49" charset="-122"/>
-                  <a:cs typeface="Yuanti SC" charset="-122"/>
-                  <a:sym typeface="+mn-ea"/>
-                </a:rPr>
-                <a:t>二次规划</a:t>
-              </a:r>
-            </a:p>
-          </p:txBody>
-        </p:sp>
-        <p:sp>
-          <p:nvSpPr>
-            <p:cNvPr id="18" name="TextBox 32"/>
-            <p:cNvSpPr txBox="1">
-              <a:spLocks noChangeArrowheads="1"/>
-            </p:cNvSpPr>
-            <p:nvPr/>
-          </p:nvSpPr>
-          <p:spPr bwMode="auto">
-            <a:xfrm>
-              <a:off x="8428" y="2061"/>
-              <a:ext cx="1123" cy="911"/>
-            </a:xfrm>
-            <a:prstGeom prst="roundRect">
-              <a:avLst/>
-            </a:prstGeom>
-            <a:solidFill>
-              <a:srgbClr val="90A08D"/>
-            </a:solidFill>
-            <a:ln w="28575">
-              <a:noFill/>
-            </a:ln>
-          </p:spPr>
-          <p:txBody>
-            <a:bodyPr wrap="square">
-              <a:spAutoFit/>
-            </a:bodyPr>
-            <a:lstStyle>
-              <a:lvl1pPr eaLnBrk="0" hangingPunct="0">
-                <a:defRPr>
-                  <a:solidFill>
-                    <a:schemeClr val="tx1"/>
-                  </a:solidFill>
-                  <a:latin typeface="Calibri" panose="020F0502020204030204" pitchFamily="34" charset="0"/>
-                  <a:ea typeface="宋体" panose="02010600030101010101" pitchFamily="2" charset="-122"/>
-                </a:defRPr>
-              </a:lvl1pPr>
-              <a:lvl2pPr marL="742950" indent="-285750" eaLnBrk="0" hangingPunct="0">
-                <a:defRPr>
-                  <a:solidFill>
-                    <a:schemeClr val="tx1"/>
-                  </a:solidFill>
-                  <a:latin typeface="Calibri" panose="020F0502020204030204" pitchFamily="34" charset="0"/>
-                  <a:ea typeface="宋体" panose="02010600030101010101" pitchFamily="2" charset="-122"/>
-                </a:defRPr>
-              </a:lvl2pPr>
-              <a:lvl3pPr marL="1143000" indent="-228600" eaLnBrk="0" hangingPunct="0">
-                <a:defRPr>
-                  <a:solidFill>
-                    <a:schemeClr val="tx1"/>
-                  </a:solidFill>
-                  <a:latin typeface="Calibri" panose="020F0502020204030204" pitchFamily="34" charset="0"/>
-                  <a:ea typeface="宋体" panose="02010600030101010101" pitchFamily="2" charset="-122"/>
-                </a:defRPr>
-              </a:lvl3pPr>
-              <a:lvl4pPr marL="1600200" indent="-228600" eaLnBrk="0" hangingPunct="0">
-                <a:defRPr>
-                  <a:solidFill>
-                    <a:schemeClr val="tx1"/>
-                  </a:solidFill>
-                  <a:latin typeface="Calibri" panose="020F0502020204030204" pitchFamily="34" charset="0"/>
-                  <a:ea typeface="宋体" panose="02010600030101010101" pitchFamily="2" charset="-122"/>
-                </a:defRPr>
-              </a:lvl4pPr>
-              <a:lvl5pPr marL="2057400" indent="-228600" eaLnBrk="0" hangingPunct="0">
-                <a:defRPr>
-                  <a:solidFill>
-                    <a:schemeClr val="tx1"/>
-                  </a:solidFill>
-                  <a:latin typeface="Calibri" panose="020F0502020204030204" pitchFamily="34" charset="0"/>
-                  <a:ea typeface="宋体" panose="02010600030101010101" pitchFamily="2" charset="-122"/>
-                </a:defRPr>
-              </a:lvl5pPr>
-              <a:lvl6pPr marL="2514600" indent="-228600" eaLnBrk="0" fontAlgn="base" hangingPunct="0">
-                <a:spcBef>
-                  <a:spcPct val="0"/>
-                </a:spcBef>
-                <a:spcAft>
-                  <a:spcPct val="0"/>
-                </a:spcAft>
-                <a:buFont typeface="Arial" panose="020B0604020202020204" pitchFamily="34" charset="0"/>
-                <a:defRPr>
-                  <a:solidFill>
-                    <a:schemeClr val="tx1"/>
-                  </a:solidFill>
-                  <a:latin typeface="Calibri" panose="020F0502020204030204" pitchFamily="34" charset="0"/>
-                  <a:ea typeface="宋体" panose="02010600030101010101" pitchFamily="2" charset="-122"/>
-                </a:defRPr>
-              </a:lvl6pPr>
-              <a:lvl7pPr marL="2971800" indent="-228600" eaLnBrk="0" fontAlgn="base" hangingPunct="0">
-                <a:spcBef>
-                  <a:spcPct val="0"/>
-                </a:spcBef>
-                <a:spcAft>
-                  <a:spcPct val="0"/>
-                </a:spcAft>
-                <a:buFont typeface="Arial" panose="020B0604020202020204" pitchFamily="34" charset="0"/>
-                <a:defRPr>
-                  <a:solidFill>
-                    <a:schemeClr val="tx1"/>
-                  </a:solidFill>
-                  <a:latin typeface="Calibri" panose="020F0502020204030204" pitchFamily="34" charset="0"/>
-                  <a:ea typeface="宋体" panose="02010600030101010101" pitchFamily="2" charset="-122"/>
-                </a:defRPr>
-              </a:lvl7pPr>
-              <a:lvl8pPr marL="3429000" indent="-228600" eaLnBrk="0" fontAlgn="base" hangingPunct="0">
-                <a:spcBef>
-                  <a:spcPct val="0"/>
-                </a:spcBef>
-                <a:spcAft>
-                  <a:spcPct val="0"/>
-                </a:spcAft>
-                <a:buFont typeface="Arial" panose="020B0604020202020204" pitchFamily="34" charset="0"/>
-                <a:defRPr>
-                  <a:solidFill>
-                    <a:schemeClr val="tx1"/>
-                  </a:solidFill>
-                  <a:latin typeface="Calibri" panose="020F0502020204030204" pitchFamily="34" charset="0"/>
-                  <a:ea typeface="宋体" panose="02010600030101010101" pitchFamily="2" charset="-122"/>
-                </a:defRPr>
-              </a:lvl8pPr>
-              <a:lvl9pPr marL="3886200" indent="-228600" eaLnBrk="0" fontAlgn="base" hangingPunct="0">
-                <a:spcBef>
-                  <a:spcPct val="0"/>
-                </a:spcBef>
-                <a:spcAft>
-                  <a:spcPct val="0"/>
-                </a:spcAft>
-                <a:buFont typeface="Arial" panose="020B0604020202020204" pitchFamily="34" charset="0"/>
-                <a:defRPr>
-                  <a:solidFill>
-                    <a:schemeClr val="tx1"/>
-                  </a:solidFill>
-                  <a:latin typeface="Calibri" panose="020F0502020204030204" pitchFamily="34" charset="0"/>
-                  <a:ea typeface="宋体" panose="02010600030101010101" pitchFamily="2" charset="-122"/>
-                </a:defRPr>
-              </a:lvl9pPr>
-            </a:lstStyle>
-            <a:p>
-              <a:pPr eaLnBrk="1" hangingPunct="1"/>
-              <a:r>
-                <a:rPr lang="zh-CN" altLang="en-US" sz="2800" b="1" dirty="0">
-                  <a:solidFill>
-                    <a:schemeClr val="bg1"/>
-                  </a:solidFill>
-                  <a:latin typeface="Yuanti SC" charset="-122"/>
-                  <a:ea typeface="Yuanti SC" charset="-122"/>
-                  <a:cs typeface="Yuanti SC" charset="-122"/>
-                </a:rPr>
-                <a:t>一</a:t>
-              </a:r>
-            </a:p>
-          </p:txBody>
-        </p:sp>
-        <p:sp>
-          <p:nvSpPr>
-            <p:cNvPr id="19" name="TextBox 32"/>
-            <p:cNvSpPr txBox="1">
-              <a:spLocks noChangeArrowheads="1"/>
-            </p:cNvSpPr>
-            <p:nvPr/>
-          </p:nvSpPr>
-          <p:spPr bwMode="auto">
-            <a:xfrm>
-              <a:off x="10198" y="3584"/>
-              <a:ext cx="5973" cy="725"/>
-            </a:xfrm>
-            <a:prstGeom prst="rect">
-              <a:avLst/>
-            </a:prstGeom>
-            <a:noFill/>
-            <a:ln>
-              <a:noFill/>
-            </a:ln>
-            <a:extLst>
-              <a:ext uri="{909E8E84-426E-40DD-AFC4-6F175D3DCCD1}">
-                <a14:hiddenFill xmlns:a14="http://schemas.microsoft.com/office/drawing/2010/main">
-                  <a:solidFill>
-                    <a:srgbClr val="FFFFFF"/>
-                  </a:solidFill>
-                </a14:hiddenFill>
-              </a:ext>
-              <a:ext uri="{91240B29-F687-4F45-9708-019B960494DF}">
-                <a14:hiddenLine xmlns:a14="http://schemas.microsoft.com/office/drawing/2010/main" w="9525">
-                  <a:solidFill>
-                    <a:srgbClr val="000000"/>
-                  </a:solidFill>
-                  <a:miter lim="800000"/>
-                  <a:headEnd/>
-                  <a:tailEnd/>
-                </a14:hiddenLine>
-              </a:ext>
-            </a:extLst>
-          </p:spPr>
-          <p:txBody>
-            <a:bodyPr wrap="square">
-              <a:spAutoFit/>
-            </a:bodyPr>
-            <a:lstStyle>
-              <a:lvl1pPr eaLnBrk="0" hangingPunct="0">
-                <a:defRPr>
-                  <a:solidFill>
-                    <a:schemeClr val="tx1"/>
-                  </a:solidFill>
-                  <a:latin typeface="Calibri" panose="020F0502020204030204" pitchFamily="34" charset="0"/>
-                  <a:ea typeface="宋体" panose="02010600030101010101" pitchFamily="2" charset="-122"/>
-                </a:defRPr>
-              </a:lvl1pPr>
-              <a:lvl2pPr marL="742950" indent="-285750" eaLnBrk="0" hangingPunct="0">
-                <a:defRPr>
-                  <a:solidFill>
-                    <a:schemeClr val="tx1"/>
-                  </a:solidFill>
-                  <a:latin typeface="Calibri" panose="020F0502020204030204" pitchFamily="34" charset="0"/>
-                  <a:ea typeface="宋体" panose="02010600030101010101" pitchFamily="2" charset="-122"/>
-                </a:defRPr>
-              </a:lvl2pPr>
-              <a:lvl3pPr marL="1143000" indent="-228600" eaLnBrk="0" hangingPunct="0">
-                <a:defRPr>
-                  <a:solidFill>
-                    <a:schemeClr val="tx1"/>
-                  </a:solidFill>
-                  <a:latin typeface="Calibri" panose="020F0502020204030204" pitchFamily="34" charset="0"/>
-                  <a:ea typeface="宋体" panose="02010600030101010101" pitchFamily="2" charset="-122"/>
-                </a:defRPr>
-              </a:lvl3pPr>
-              <a:lvl4pPr marL="1600200" indent="-228600" eaLnBrk="0" hangingPunct="0">
-                <a:defRPr>
-                  <a:solidFill>
-                    <a:schemeClr val="tx1"/>
-                  </a:solidFill>
-                  <a:latin typeface="Calibri" panose="020F0502020204030204" pitchFamily="34" charset="0"/>
-                  <a:ea typeface="宋体" panose="02010600030101010101" pitchFamily="2" charset="-122"/>
-                </a:defRPr>
-              </a:lvl4pPr>
-              <a:lvl5pPr marL="2057400" indent="-228600" eaLnBrk="0" hangingPunct="0">
-                <a:defRPr>
-                  <a:solidFill>
-                    <a:schemeClr val="tx1"/>
-                  </a:solidFill>
-                  <a:latin typeface="Calibri" panose="020F0502020204030204" pitchFamily="34" charset="0"/>
-                  <a:ea typeface="宋体" panose="02010600030101010101" pitchFamily="2" charset="-122"/>
-                </a:defRPr>
-              </a:lvl5pPr>
-              <a:lvl6pPr marL="2514600" indent="-228600" eaLnBrk="0" fontAlgn="base" hangingPunct="0">
-                <a:spcBef>
-                  <a:spcPct val="0"/>
-                </a:spcBef>
-                <a:spcAft>
-                  <a:spcPct val="0"/>
-                </a:spcAft>
-                <a:buFont typeface="Arial" panose="020B0604020202020204" pitchFamily="34" charset="0"/>
-                <a:defRPr>
-                  <a:solidFill>
-                    <a:schemeClr val="tx1"/>
-                  </a:solidFill>
-                  <a:latin typeface="Calibri" panose="020F0502020204030204" pitchFamily="34" charset="0"/>
-                  <a:ea typeface="宋体" panose="02010600030101010101" pitchFamily="2" charset="-122"/>
-                </a:defRPr>
-              </a:lvl6pPr>
-              <a:lvl7pPr marL="2971800" indent="-228600" eaLnBrk="0" fontAlgn="base" hangingPunct="0">
-                <a:spcBef>
-                  <a:spcPct val="0"/>
-                </a:spcBef>
-                <a:spcAft>
-                  <a:spcPct val="0"/>
-                </a:spcAft>
-                <a:buFont typeface="Arial" panose="020B0604020202020204" pitchFamily="34" charset="0"/>
-                <a:defRPr>
-                  <a:solidFill>
-                    <a:schemeClr val="tx1"/>
-                  </a:solidFill>
-                  <a:latin typeface="Calibri" panose="020F0502020204030204" pitchFamily="34" charset="0"/>
-                  <a:ea typeface="宋体" panose="02010600030101010101" pitchFamily="2" charset="-122"/>
-                </a:defRPr>
-              </a:lvl7pPr>
-              <a:lvl8pPr marL="3429000" indent="-228600" eaLnBrk="0" fontAlgn="base" hangingPunct="0">
-                <a:spcBef>
-                  <a:spcPct val="0"/>
-                </a:spcBef>
-                <a:spcAft>
-                  <a:spcPct val="0"/>
-                </a:spcAft>
-                <a:buFont typeface="Arial" panose="020B0604020202020204" pitchFamily="34" charset="0"/>
-                <a:defRPr>
-                  <a:solidFill>
-                    <a:schemeClr val="tx1"/>
-                  </a:solidFill>
-                  <a:latin typeface="Calibri" panose="020F0502020204030204" pitchFamily="34" charset="0"/>
-                  <a:ea typeface="宋体" panose="02010600030101010101" pitchFamily="2" charset="-122"/>
-                </a:defRPr>
-              </a:lvl8pPr>
-              <a:lvl9pPr marL="3886200" indent="-228600" eaLnBrk="0" fontAlgn="base" hangingPunct="0">
-                <a:spcBef>
-                  <a:spcPct val="0"/>
-                </a:spcBef>
-                <a:spcAft>
-                  <a:spcPct val="0"/>
-                </a:spcAft>
-                <a:buFont typeface="Arial" panose="020B0604020202020204" pitchFamily="34" charset="0"/>
-                <a:defRPr>
-                  <a:solidFill>
-                    <a:schemeClr val="tx1"/>
-                  </a:solidFill>
-                  <a:latin typeface="Calibri" panose="020F0502020204030204" pitchFamily="34" charset="0"/>
-                  <a:ea typeface="宋体" panose="02010600030101010101" pitchFamily="2" charset="-122"/>
-                </a:defRPr>
-              </a:lvl9pPr>
-            </a:lstStyle>
-            <a:p>
-              <a:pPr algn="l"/>
-              <a:r>
-                <a:rPr lang="en-US" altLang="zh-CN" sz="2400" dirty="0">
-                  <a:solidFill>
-                    <a:schemeClr val="tx1">
-                      <a:lumMod val="75000"/>
-                      <a:lumOff val="25000"/>
-                    </a:schemeClr>
-                  </a:solidFill>
-                  <a:latin typeface="Times New Roman" panose="02020603050405020304" pitchFamily="18" charset="0"/>
-                  <a:ea typeface="仿宋" panose="02010609060101010101" pitchFamily="49" charset="-122"/>
-                  <a:cs typeface="Times New Roman" panose="02020603050405020304" pitchFamily="18" charset="0"/>
-                  <a:sym typeface="+mn-ea"/>
-                </a:rPr>
-                <a:t>多目标规划</a:t>
-              </a:r>
-            </a:p>
-          </p:txBody>
-        </p:sp>
-        <p:sp>
-          <p:nvSpPr>
-            <p:cNvPr id="20" name="TextBox 32"/>
-            <p:cNvSpPr txBox="1">
-              <a:spLocks noChangeArrowheads="1"/>
-            </p:cNvSpPr>
-            <p:nvPr/>
-          </p:nvSpPr>
-          <p:spPr bwMode="auto">
-            <a:xfrm>
-              <a:off x="8428" y="3482"/>
-              <a:ext cx="938" cy="909"/>
-            </a:xfrm>
-            <a:prstGeom prst="roundRect">
-              <a:avLst/>
-            </a:prstGeom>
-            <a:solidFill>
-              <a:srgbClr val="C0C9BE"/>
-            </a:solidFill>
-            <a:ln w="28575">
-              <a:noFill/>
-            </a:ln>
-          </p:spPr>
-          <p:txBody>
-            <a:bodyPr wrap="none">
-              <a:spAutoFit/>
-            </a:bodyPr>
-            <a:lstStyle>
-              <a:lvl1pPr eaLnBrk="0" hangingPunct="0">
-                <a:defRPr>
-                  <a:solidFill>
-                    <a:schemeClr val="tx1"/>
-                  </a:solidFill>
-                  <a:latin typeface="Calibri" panose="020F0502020204030204" pitchFamily="34" charset="0"/>
-                  <a:ea typeface="宋体" panose="02010600030101010101" pitchFamily="2" charset="-122"/>
-                </a:defRPr>
-              </a:lvl1pPr>
-              <a:lvl2pPr marL="742950" indent="-285750" eaLnBrk="0" hangingPunct="0">
-                <a:defRPr>
-                  <a:solidFill>
-                    <a:schemeClr val="tx1"/>
-                  </a:solidFill>
-                  <a:latin typeface="Calibri" panose="020F0502020204030204" pitchFamily="34" charset="0"/>
-                  <a:ea typeface="宋体" panose="02010600030101010101" pitchFamily="2" charset="-122"/>
-                </a:defRPr>
-              </a:lvl2pPr>
-              <a:lvl3pPr marL="1143000" indent="-228600" eaLnBrk="0" hangingPunct="0">
-                <a:defRPr>
-                  <a:solidFill>
-                    <a:schemeClr val="tx1"/>
-                  </a:solidFill>
-                  <a:latin typeface="Calibri" panose="020F0502020204030204" pitchFamily="34" charset="0"/>
-                  <a:ea typeface="宋体" panose="02010600030101010101" pitchFamily="2" charset="-122"/>
-                </a:defRPr>
-              </a:lvl3pPr>
-              <a:lvl4pPr marL="1600200" indent="-228600" eaLnBrk="0" hangingPunct="0">
-                <a:defRPr>
-                  <a:solidFill>
-                    <a:schemeClr val="tx1"/>
-                  </a:solidFill>
-                  <a:latin typeface="Calibri" panose="020F0502020204030204" pitchFamily="34" charset="0"/>
-                  <a:ea typeface="宋体" panose="02010600030101010101" pitchFamily="2" charset="-122"/>
-                </a:defRPr>
-              </a:lvl4pPr>
-              <a:lvl5pPr marL="2057400" indent="-228600" eaLnBrk="0" hangingPunct="0">
-                <a:defRPr>
-                  <a:solidFill>
-                    <a:schemeClr val="tx1"/>
-                  </a:solidFill>
-                  <a:latin typeface="Calibri" panose="020F0502020204030204" pitchFamily="34" charset="0"/>
-                  <a:ea typeface="宋体" panose="02010600030101010101" pitchFamily="2" charset="-122"/>
-                </a:defRPr>
-              </a:lvl5pPr>
-              <a:lvl6pPr marL="2514600" indent="-228600" eaLnBrk="0" fontAlgn="base" hangingPunct="0">
-                <a:spcBef>
-                  <a:spcPct val="0"/>
-                </a:spcBef>
-                <a:spcAft>
-                  <a:spcPct val="0"/>
-                </a:spcAft>
-                <a:buFont typeface="Arial" panose="020B0604020202020204" pitchFamily="34" charset="0"/>
-                <a:defRPr>
-                  <a:solidFill>
-                    <a:schemeClr val="tx1"/>
-                  </a:solidFill>
-                  <a:latin typeface="Calibri" panose="020F0502020204030204" pitchFamily="34" charset="0"/>
-                  <a:ea typeface="宋体" panose="02010600030101010101" pitchFamily="2" charset="-122"/>
-                </a:defRPr>
-              </a:lvl6pPr>
-              <a:lvl7pPr marL="2971800" indent="-228600" eaLnBrk="0" fontAlgn="base" hangingPunct="0">
-                <a:spcBef>
-                  <a:spcPct val="0"/>
-                </a:spcBef>
-                <a:spcAft>
-                  <a:spcPct val="0"/>
-                </a:spcAft>
-                <a:buFont typeface="Arial" panose="020B0604020202020204" pitchFamily="34" charset="0"/>
-                <a:defRPr>
-                  <a:solidFill>
-                    <a:schemeClr val="tx1"/>
-                  </a:solidFill>
-                  <a:latin typeface="Calibri" panose="020F0502020204030204" pitchFamily="34" charset="0"/>
-                  <a:ea typeface="宋体" panose="02010600030101010101" pitchFamily="2" charset="-122"/>
-                </a:defRPr>
-              </a:lvl7pPr>
-              <a:lvl8pPr marL="3429000" indent="-228600" eaLnBrk="0" fontAlgn="base" hangingPunct="0">
-                <a:spcBef>
-                  <a:spcPct val="0"/>
-                </a:spcBef>
-                <a:spcAft>
-                  <a:spcPct val="0"/>
-                </a:spcAft>
-                <a:buFont typeface="Arial" panose="020B0604020202020204" pitchFamily="34" charset="0"/>
-                <a:defRPr>
-                  <a:solidFill>
-                    <a:schemeClr val="tx1"/>
-                  </a:solidFill>
-                  <a:latin typeface="Calibri" panose="020F0502020204030204" pitchFamily="34" charset="0"/>
-                  <a:ea typeface="宋体" panose="02010600030101010101" pitchFamily="2" charset="-122"/>
-                </a:defRPr>
-              </a:lvl8pPr>
-              <a:lvl9pPr marL="3886200" indent="-228600" eaLnBrk="0" fontAlgn="base" hangingPunct="0">
-                <a:spcBef>
-                  <a:spcPct val="0"/>
-                </a:spcBef>
-                <a:spcAft>
-                  <a:spcPct val="0"/>
-                </a:spcAft>
-                <a:buFont typeface="Arial" panose="020B0604020202020204" pitchFamily="34" charset="0"/>
-                <a:defRPr>
-                  <a:solidFill>
-                    <a:schemeClr val="tx1"/>
-                  </a:solidFill>
-                  <a:latin typeface="Calibri" panose="020F0502020204030204" pitchFamily="34" charset="0"/>
-                  <a:ea typeface="宋体" panose="02010600030101010101" pitchFamily="2" charset="-122"/>
-                </a:defRPr>
-              </a:lvl9pPr>
-            </a:lstStyle>
-            <a:p>
-              <a:pPr eaLnBrk="1" hangingPunct="1"/>
-              <a:r>
-                <a:rPr lang="zh-CN" altLang="en-US" sz="2800" b="1" dirty="0">
-                  <a:solidFill>
-                    <a:schemeClr val="bg1"/>
-                  </a:solidFill>
-                  <a:latin typeface="Yuanti SC" charset="-122"/>
-                  <a:ea typeface="Yuanti SC" charset="-122"/>
-                  <a:cs typeface="Yuanti SC" charset="-122"/>
-                </a:rPr>
-                <a:t>二</a:t>
-              </a:r>
-            </a:p>
-          </p:txBody>
-        </p:sp>
-      </p:grpSp>
       <p:sp>
         <p:nvSpPr>
-          <p:cNvPr id="8" name="文本框 7"/>
-          <p:cNvSpPr txBox="1"/>
-          <p:nvPr/>
+          <p:cNvPr id="3" name="内容占位符 2"/>
+          <p:cNvSpPr>
+            <a:spLocks noGrp="1"/>
+          </p:cNvSpPr>
+          <p:nvPr>
+            <p:ph idx="1"/>
+          </p:nvPr>
         </p:nvSpPr>
         <p:spPr>
           <a:xfrm>
-            <a:off x="2710180" y="2074545"/>
-            <a:ext cx="1009015" cy="2584450"/>
+            <a:off x="562864" y="1001523"/>
+            <a:ext cx="11066272" cy="3360166"/>
           </a:xfrm>
-          <a:prstGeom prst="rect">
-            <a:avLst/>
-          </a:prstGeom>
-          <a:noFill/>
         </p:spPr>
         <p:txBody>
-          <a:bodyPr wrap="square" rtlCol="0">
-            <a:spAutoFit/>
-          </a:bodyPr>
+          <a:bodyPr/>
           <a:lstStyle/>
           <a:p>
-            <a:pPr algn="ctr">
+            <a:pPr marL="0" indent="0" algn="just" fontAlgn="auto">
               <a:lnSpc>
                 <a:spcPct val="150000"/>
               </a:lnSpc>
+              <a:spcBef>
+                <a:spcPts val="1000"/>
+              </a:spcBef>
+              <a:spcAft>
+                <a:spcPts val="1000"/>
+              </a:spcAft>
+              <a:buNone/>
             </a:pPr>
             <a:r>
-              <a:rPr lang="zh-CN" altLang="en-US" sz="5400" dirty="0">
-                <a:solidFill>
-                  <a:prstClr val="black"/>
-                </a:solidFill>
-                <a:latin typeface="仿宋" panose="02010609060101010101" pitchFamily="49" charset="-122"/>
-                <a:ea typeface="仿宋" panose="02010609060101010101" pitchFamily="49" charset="-122"/>
-              </a:rPr>
-              <a:t>目录</a:t>
+              <a:rPr lang="en-US" altLang="zh-CN" sz="2800" dirty="0">
+                <a:latin typeface="宋体" panose="02010600030101010101" pitchFamily="2" charset="-122"/>
+                <a:ea typeface="宋体" panose="02010600030101010101" pitchFamily="2" charset="-122"/>
+                <a:cs typeface="宋体" panose="02010600030101010101" pitchFamily="2" charset="-122"/>
+              </a:rPr>
+              <a:t>    </a:t>
+            </a:r>
+            <a:r>
+              <a:rPr dirty="0">
+                <a:latin typeface="+mn-ea"/>
+                <a:cs typeface="+mn-ea"/>
+              </a:rPr>
+              <a:t>马可维茨建议，风险可以用收益的方差（或标准差）来衡量，表示成目标函数是二次函数，就是二次规划问题；收益是一个目标，风险是一个目标，投资金额是有限的，用数学模型表示就是两目标优化问题。</a:t>
+            </a:r>
+          </a:p>
+          <a:p>
+            <a:pPr marL="0" indent="0" algn="just" fontAlgn="auto">
+              <a:lnSpc>
+                <a:spcPct val="150000"/>
+              </a:lnSpc>
+              <a:spcBef>
+                <a:spcPts val="1000"/>
+              </a:spcBef>
+              <a:spcAft>
+                <a:spcPts val="1000"/>
+              </a:spcAft>
+              <a:buNone/>
+            </a:pPr>
+            <a:r>
+              <a:rPr lang="en-US" dirty="0">
+                <a:latin typeface="+mn-ea"/>
+                <a:cs typeface="+mn-ea"/>
+              </a:rPr>
+              <a:t>       </a:t>
+            </a:r>
+            <a:r>
+              <a:rPr dirty="0" err="1">
+                <a:latin typeface="+mn-ea"/>
+                <a:cs typeface="+mn-ea"/>
+              </a:rPr>
+              <a:t>本章用到的编程技术是，用</a:t>
+            </a:r>
+            <a:r>
+              <a:rPr dirty="0">
+                <a:latin typeface="+mn-ea"/>
+                <a:cs typeface="+mn-ea"/>
+              </a:rPr>
+              <a:t> MATLAB </a:t>
+            </a:r>
+            <a:r>
+              <a:rPr dirty="0" err="1">
+                <a:latin typeface="+mn-ea"/>
+                <a:cs typeface="+mn-ea"/>
+              </a:rPr>
+              <a:t>求解二次规划，与多目标规划</a:t>
+            </a:r>
+            <a:r>
+              <a:rPr dirty="0">
+                <a:latin typeface="+mn-ea"/>
+                <a:cs typeface="+mn-ea"/>
+              </a:rPr>
+              <a:t>。</a:t>
             </a:r>
           </a:p>
         </p:txBody>
@@ -21624,225 +22028,18 @@
   <p:clrMapOvr>
     <a:masterClrMapping/>
   </p:clrMapOvr>
-  <p:transition spd="slow">
-    <p:random/>
-  </p:transition>
-  <p:timing>
-    <p:tnLst>
-      <p:par>
-        <p:cTn id="1" dur="indefinite" restart="never" nodeType="tmRoot">
-          <p:childTnLst>
-            <p:seq concurrent="1" nextAc="seek">
-              <p:cTn id="2" dur="indefinite" nodeType="mainSeq">
-                <p:childTnLst>
-                  <p:par>
-                    <p:cTn id="3" fill="hold">
-                      <p:stCondLst>
-                        <p:cond delay="indefinite"/>
-                        <p:cond evt="onBegin" delay="0">
-                          <p:tn val="2"/>
-                        </p:cond>
-                      </p:stCondLst>
-                      <p:childTnLst>
-                        <p:par>
-                          <p:cTn id="4" fill="hold">
-                            <p:stCondLst>
-                              <p:cond delay="0"/>
-                            </p:stCondLst>
-                            <p:childTnLst>
-                              <p:par>
-                                <p:cTn id="5" presetID="42" presetClass="entr" presetSubtype="0" fill="hold" nodeType="afterEffect">
-                                  <p:stCondLst>
-                                    <p:cond delay="0"/>
-                                  </p:stCondLst>
-                                  <p:childTnLst>
-                                    <p:set>
-                                      <p:cBhvr>
-                                        <p:cTn id="6" dur="1" fill="hold">
-                                          <p:stCondLst>
-                                            <p:cond delay="0"/>
-                                          </p:stCondLst>
-                                        </p:cTn>
-                                        <p:tgtEl>
-                                          <p:spTgt spid="12"/>
-                                        </p:tgtEl>
-                                        <p:attrNameLst>
-                                          <p:attrName>style.visibility</p:attrName>
-                                        </p:attrNameLst>
-                                      </p:cBhvr>
-                                      <p:to>
-                                        <p:strVal val="visible"/>
-                                      </p:to>
-                                    </p:set>
-                                    <p:animEffect transition="in" filter="fade">
-                                      <p:cBhvr>
-                                        <p:cTn id="7" dur="1000"/>
-                                        <p:tgtEl>
-                                          <p:spTgt spid="12"/>
-                                        </p:tgtEl>
-                                      </p:cBhvr>
-                                    </p:animEffect>
-                                    <p:anim calcmode="lin" valueType="num">
-                                      <p:cBhvr>
-                                        <p:cTn id="8" dur="1000" fill="hold"/>
-                                        <p:tgtEl>
-                                          <p:spTgt spid="12"/>
-                                        </p:tgtEl>
-                                        <p:attrNameLst>
-                                          <p:attrName>ppt_x</p:attrName>
-                                        </p:attrNameLst>
-                                      </p:cBhvr>
-                                      <p:tavLst>
-                                        <p:tav tm="0">
-                                          <p:val>
-                                            <p:strVal val="#ppt_x"/>
-                                          </p:val>
-                                        </p:tav>
-                                        <p:tav tm="100000">
-                                          <p:val>
-                                            <p:strVal val="#ppt_x"/>
-                                          </p:val>
-                                        </p:tav>
-                                      </p:tavLst>
-                                    </p:anim>
-                                    <p:anim calcmode="lin" valueType="num">
-                                      <p:cBhvr>
-                                        <p:cTn id="9" dur="1000" fill="hold"/>
-                                        <p:tgtEl>
-                                          <p:spTgt spid="12"/>
-                                        </p:tgtEl>
-                                        <p:attrNameLst>
-                                          <p:attrName>ppt_y</p:attrName>
-                                        </p:attrNameLst>
-                                      </p:cBhvr>
-                                      <p:tavLst>
-                                        <p:tav tm="0">
-                                          <p:val>
-                                            <p:strVal val="#ppt_y+.1"/>
-                                          </p:val>
-                                        </p:tav>
-                                        <p:tav tm="100000">
-                                          <p:val>
-                                            <p:strVal val="#ppt_y"/>
-                                          </p:val>
-                                        </p:tav>
-                                      </p:tavLst>
-                                    </p:anim>
-                                  </p:childTnLst>
-                                </p:cTn>
-                              </p:par>
-                              <p:par>
-                                <p:cTn id="10" presetID="42" presetClass="entr" presetSubtype="0" fill="hold" grpId="0" nodeType="withEffect">
-                                  <p:stCondLst>
-                                    <p:cond delay="0"/>
-                                  </p:stCondLst>
-                                  <p:childTnLst>
-                                    <p:set>
-                                      <p:cBhvr>
-                                        <p:cTn id="11" dur="1" fill="hold">
-                                          <p:stCondLst>
-                                            <p:cond delay="0"/>
-                                          </p:stCondLst>
-                                        </p:cTn>
-                                        <p:tgtEl>
-                                          <p:spTgt spid="8"/>
-                                        </p:tgtEl>
-                                        <p:attrNameLst>
-                                          <p:attrName>style.visibility</p:attrName>
-                                        </p:attrNameLst>
-                                      </p:cBhvr>
-                                      <p:to>
-                                        <p:strVal val="visible"/>
-                                      </p:to>
-                                    </p:set>
-                                    <p:animEffect transition="in" filter="fade">
-                                      <p:cBhvr>
-                                        <p:cTn id="12" dur="1000"/>
-                                        <p:tgtEl>
-                                          <p:spTgt spid="8"/>
-                                        </p:tgtEl>
-                                      </p:cBhvr>
-                                    </p:animEffect>
-                                    <p:anim calcmode="lin" valueType="num">
-                                      <p:cBhvr>
-                                        <p:cTn id="13" dur="1000" fill="hold"/>
-                                        <p:tgtEl>
-                                          <p:spTgt spid="8"/>
-                                        </p:tgtEl>
-                                        <p:attrNameLst>
-                                          <p:attrName>ppt_x</p:attrName>
-                                        </p:attrNameLst>
-                                      </p:cBhvr>
-                                      <p:tavLst>
-                                        <p:tav tm="0">
-                                          <p:val>
-                                            <p:strVal val="#ppt_x"/>
-                                          </p:val>
-                                        </p:tav>
-                                        <p:tav tm="100000">
-                                          <p:val>
-                                            <p:strVal val="#ppt_x"/>
-                                          </p:val>
-                                        </p:tav>
-                                      </p:tavLst>
-                                    </p:anim>
-                                    <p:anim calcmode="lin" valueType="num">
-                                      <p:cBhvr>
-                                        <p:cTn id="14" dur="1000" fill="hold"/>
-                                        <p:tgtEl>
-                                          <p:spTgt spid="8"/>
-                                        </p:tgtEl>
-                                        <p:attrNameLst>
-                                          <p:attrName>ppt_y</p:attrName>
-                                        </p:attrNameLst>
-                                      </p:cBhvr>
-                                      <p:tavLst>
-                                        <p:tav tm="0">
-                                          <p:val>
-                                            <p:strVal val="#ppt_y+.1"/>
-                                          </p:val>
-                                        </p:tav>
-                                        <p:tav tm="100000">
-                                          <p:val>
-                                            <p:strVal val="#ppt_y"/>
-                                          </p:val>
-                                        </p:tav>
-                                      </p:tavLst>
-                                    </p:anim>
-                                  </p:childTnLst>
-                                </p:cTn>
-                              </p:par>
-                            </p:childTnLst>
-                          </p:cTn>
-                        </p:par>
-                      </p:childTnLst>
-                    </p:cTn>
-                  </p:par>
-                </p:childTnLst>
-              </p:cTn>
-              <p:prevCondLst>
-                <p:cond evt="onPrev" delay="0">
-                  <p:tgtEl>
-                    <p:sldTgt/>
-                  </p:tgtEl>
-                </p:cond>
-              </p:prevCondLst>
-              <p:nextCondLst>
-                <p:cond evt="onNext" delay="0">
-                  <p:tgtEl>
-                    <p:sldTgt/>
-                  </p:tgtEl>
-                </p:cond>
-              </p:nextCondLst>
-            </p:seq>
-          </p:childTnLst>
-        </p:cTn>
-      </p:par>
-    </p:tnLst>
-    <p:bldLst>
-      <p:bldP spid="8" grpId="0"/>
-    </p:bldLst>
-  </p:timing>
+  <mc:AlternateContent xmlns:mc="http://schemas.openxmlformats.org/markup-compatibility/2006" xmlns:p14="http://schemas.microsoft.com/office/powerpoint/2010/main">
+    <mc:Choice Requires="p14">
+      <p:transition spd="slow" p14:dur="2000">
+        <p:random/>
+      </p:transition>
+    </mc:Choice>
+    <mc:Fallback xmlns="">
+      <p:transition spd="slow">
+        <p:random/>
+      </p:transition>
+    </mc:Fallback>
+  </mc:AlternateContent>
 </p:sld>
 </file>
 
@@ -21863,8 +22060,8 @@
           <a:chExt cx="0" cy="0"/>
         </a:xfrm>
       </p:grpSpPr>
-      <mc:AlternateContent xmlns:mc="http://schemas.openxmlformats.org/markup-compatibility/2006">
-        <mc:Choice xmlns:a14="http://schemas.microsoft.com/office/drawing/2010/main" Requires="a14">
+      <mc:AlternateContent xmlns:mc="http://schemas.openxmlformats.org/markup-compatibility/2006" xmlns:a14="http://schemas.microsoft.com/office/drawing/2010/main">
+        <mc:Choice Requires="a14">
           <p:sp>
             <p:nvSpPr>
               <p:cNvPr id="3" name="内容占位符 2"/>
@@ -22155,7 +22352,7 @@
             </p:txBody>
           </p:sp>
         </mc:Choice>
-        <mc:Fallback>
+        <mc:Fallback xmlns="">
           <p:sp>
             <p:nvSpPr>
               <p:cNvPr id="3" name="内容占位符 2"/>
@@ -22593,8 +22790,8 @@
           <a:chExt cx="0" cy="0"/>
         </a:xfrm>
       </p:grpSpPr>
-      <mc:AlternateContent xmlns:mc="http://schemas.openxmlformats.org/markup-compatibility/2006">
-        <mc:Choice xmlns:a14="http://schemas.microsoft.com/office/drawing/2010/main" Requires="a14">
+      <mc:AlternateContent xmlns:mc="http://schemas.openxmlformats.org/markup-compatibility/2006" xmlns:a14="http://schemas.microsoft.com/office/drawing/2010/main">
+        <mc:Choice Requires="a14">
           <p:sp>
             <p:nvSpPr>
               <p:cNvPr id="3" name="内容占位符 2"/>
@@ -22799,7 +22996,7 @@
             </p:txBody>
           </p:sp>
         </mc:Choice>
-        <mc:Fallback>
+        <mc:Fallback xmlns="">
           <p:sp>
             <p:nvSpPr>
               <p:cNvPr id="3" name="内容占位符 2"/>
@@ -23145,8 +23342,8 @@
           <a:chExt cx="0" cy="0"/>
         </a:xfrm>
       </p:grpSpPr>
-      <mc:AlternateContent xmlns:mc="http://schemas.openxmlformats.org/markup-compatibility/2006">
-        <mc:Choice xmlns:a14="http://schemas.microsoft.com/office/drawing/2010/main" Requires="a14">
+      <mc:AlternateContent xmlns:mc="http://schemas.openxmlformats.org/markup-compatibility/2006" xmlns:a14="http://schemas.microsoft.com/office/drawing/2010/main">
+        <mc:Choice Requires="a14">
           <p:sp>
             <p:nvSpPr>
               <p:cNvPr id="3" name="内容占位符 2"/>
@@ -23429,7 +23626,14 @@
                         <a:latin typeface="Cambria Math" panose="02040503050406030204" charset="0"/>
                         <a:cs typeface="Cambria Math" panose="02040503050406030204" charset="0"/>
                       </a:rPr>
-                      <m:t>)=0</m:t>
+                      <m:t>)=</m:t>
+                    </m:r>
+                    <m:r>
+                      <a:rPr lang="en-US" altLang="zh-CN" i="1">
+                        <a:latin typeface="Cambria Math" panose="02040503050406030204" charset="0"/>
+                        <a:cs typeface="Cambria Math" panose="02040503050406030204" charset="0"/>
+                      </a:rPr>
+                      <m:t>0</m:t>
                     </m:r>
                   </m:oMath>
                 </a14:m>
@@ -23626,7 +23830,21 @@
                         <a:latin typeface="Cambria Math" panose="02040503050406030204" charset="0"/>
                         <a:cs typeface="Cambria Math" panose="02040503050406030204" charset="0"/>
                       </a:rPr>
-                      <m:t>=12, </m:t>
+                      <m:t>=</m:t>
+                    </m:r>
+                    <m:r>
+                      <a:rPr lang="en-US" altLang="zh-CN" i="1">
+                        <a:latin typeface="Cambria Math" panose="02040503050406030204" charset="0"/>
+                        <a:cs typeface="Cambria Math" panose="02040503050406030204" charset="0"/>
+                      </a:rPr>
+                      <m:t>12</m:t>
+                    </m:r>
+                    <m:r>
+                      <a:rPr lang="en-US" altLang="zh-CN" i="1">
+                        <a:latin typeface="Cambria Math" panose="02040503050406030204" charset="0"/>
+                        <a:cs typeface="Cambria Math" panose="02040503050406030204" charset="0"/>
+                      </a:rPr>
+                      <m:t>, </m:t>
                     </m:r>
                     <m:r>
                       <a:rPr lang="en-US" altLang="zh-CN" i="1">
@@ -23640,7 +23858,42 @@
                         <a:latin typeface="Cambria Math" panose="02040503050406030204" charset="0"/>
                         <a:cs typeface="Cambria Math" panose="02040503050406030204" charset="0"/>
                       </a:rPr>
-                      <m:t>=1, 2, 3</m:t>
+                      <m:t>=</m:t>
+                    </m:r>
+                    <m:r>
+                      <a:rPr lang="en-US" altLang="zh-CN" i="1">
+                        <a:latin typeface="Cambria Math" panose="02040503050406030204" charset="0"/>
+                        <a:cs typeface="Cambria Math" panose="02040503050406030204" charset="0"/>
+                      </a:rPr>
+                      <m:t>1</m:t>
+                    </m:r>
+                    <m:r>
+                      <a:rPr lang="en-US" altLang="zh-CN" i="1">
+                        <a:latin typeface="Cambria Math" panose="02040503050406030204" charset="0"/>
+                        <a:cs typeface="Cambria Math" panose="02040503050406030204" charset="0"/>
+                      </a:rPr>
+                      <m:t>, </m:t>
+                    </m:r>
+                    <m:r>
+                      <a:rPr lang="en-US" altLang="zh-CN" i="1">
+                        <a:latin typeface="Cambria Math" panose="02040503050406030204" charset="0"/>
+                        <a:cs typeface="Cambria Math" panose="02040503050406030204" charset="0"/>
+                      </a:rPr>
+                      <m:t>2</m:t>
+                    </m:r>
+                    <m:r>
+                      <a:rPr lang="en-US" altLang="zh-CN" i="1">
+                        <a:latin typeface="Cambria Math" panose="02040503050406030204" charset="0"/>
+                        <a:cs typeface="Cambria Math" panose="02040503050406030204" charset="0"/>
+                      </a:rPr>
+                      <m:t>, </m:t>
+                    </m:r>
+                    <m:r>
+                      <a:rPr lang="en-US" altLang="zh-CN" i="1">
+                        <a:latin typeface="Cambria Math" panose="02040503050406030204" charset="0"/>
+                        <a:cs typeface="Cambria Math" panose="02040503050406030204" charset="0"/>
+                      </a:rPr>
+                      <m:t>3</m:t>
                     </m:r>
                   </m:oMath>
                 </a14:m>
@@ -23776,7 +24029,28 @@
                         <a:latin typeface="Cambria Math" panose="02040503050406030204" charset="0"/>
                         <a:cs typeface="Cambria Math" panose="02040503050406030204" charset="0"/>
                       </a:rPr>
-                      <m:t>)=0.1915</m:t>
+                      <m:t>)=</m:t>
+                    </m:r>
+                    <m:r>
+                      <a:rPr lang="en-US" altLang="zh-CN" i="1">
+                        <a:latin typeface="Cambria Math" panose="02040503050406030204" charset="0"/>
+                        <a:cs typeface="Cambria Math" panose="02040503050406030204" charset="0"/>
+                      </a:rPr>
+                      <m:t>0</m:t>
+                    </m:r>
+                    <m:r>
+                      <a:rPr lang="en-US" altLang="zh-CN" i="1">
+                        <a:latin typeface="Cambria Math" panose="02040503050406030204" charset="0"/>
+                        <a:cs typeface="Cambria Math" panose="02040503050406030204" charset="0"/>
+                      </a:rPr>
+                      <m:t>.</m:t>
+                    </m:r>
+                    <m:r>
+                      <a:rPr lang="en-US" altLang="zh-CN" i="1">
+                        <a:latin typeface="Cambria Math" panose="02040503050406030204" charset="0"/>
+                        <a:cs typeface="Cambria Math" panose="02040503050406030204" charset="0"/>
+                      </a:rPr>
+                      <m:t>1915</m:t>
                     </m:r>
                   </m:oMath>
                 </a14:m>
@@ -23830,7 +24104,28 @@
                         <a:latin typeface="Cambria Math" panose="02040503050406030204" charset="0"/>
                         <a:cs typeface="Cambria Math" panose="02040503050406030204" charset="0"/>
                       </a:rPr>
-                      <m:t>=0.1995</m:t>
+                      <m:t>=</m:t>
+                    </m:r>
+                    <m:r>
+                      <a:rPr lang="en-US" altLang="zh-CN" i="1">
+                        <a:latin typeface="Cambria Math" panose="02040503050406030204" charset="0"/>
+                        <a:cs typeface="Cambria Math" panose="02040503050406030204" charset="0"/>
+                      </a:rPr>
+                      <m:t>0</m:t>
+                    </m:r>
+                    <m:r>
+                      <a:rPr lang="en-US" altLang="zh-CN" i="1">
+                        <a:latin typeface="Cambria Math" panose="02040503050406030204" charset="0"/>
+                        <a:cs typeface="Cambria Math" panose="02040503050406030204" charset="0"/>
+                      </a:rPr>
+                      <m:t>.</m:t>
+                    </m:r>
+                    <m:r>
+                      <a:rPr lang="en-US" altLang="zh-CN" i="1">
+                        <a:latin typeface="Cambria Math" panose="02040503050406030204" charset="0"/>
+                        <a:cs typeface="Cambria Math" panose="02040503050406030204" charset="0"/>
+                      </a:rPr>
+                      <m:t>1995</m:t>
                     </m:r>
                   </m:oMath>
                 </a14:m>
@@ -23851,7 +24146,7 @@
             </p:txBody>
           </p:sp>
         </mc:Choice>
-        <mc:Fallback>
+        <mc:Fallback xmlns="">
           <p:sp>
             <p:nvSpPr>
               <p:cNvPr id="3" name="内容占位符 2"/>
@@ -24652,8 +24947,8 @@
           <a:chExt cx="0" cy="0"/>
         </a:xfrm>
       </p:grpSpPr>
-      <mc:AlternateContent xmlns:mc="http://schemas.openxmlformats.org/markup-compatibility/2006">
-        <mc:Choice xmlns:a14="http://schemas.microsoft.com/office/drawing/2010/main" Requires="a14">
+      <mc:AlternateContent xmlns:mc="http://schemas.openxmlformats.org/markup-compatibility/2006" xmlns:a14="http://schemas.microsoft.com/office/drawing/2010/main">
+        <mc:Choice Requires="a14">
           <p:sp>
             <p:nvSpPr>
               <p:cNvPr id="3" name="内容占位符 2"/>
@@ -24993,7 +25288,7 @@
             </p:txBody>
           </p:sp>
         </mc:Choice>
-        <mc:Fallback>
+        <mc:Fallback xmlns="">
           <p:sp>
             <p:nvSpPr>
               <p:cNvPr id="3" name="内容占位符 2"/>
@@ -25126,8 +25421,8 @@
           <a:chExt cx="0" cy="0"/>
         </a:xfrm>
       </p:grpSpPr>
-      <mc:AlternateContent xmlns:mc="http://schemas.openxmlformats.org/markup-compatibility/2006">
-        <mc:Choice xmlns:a14="http://schemas.microsoft.com/office/drawing/2010/main" Requires="a14">
+      <mc:AlternateContent xmlns:mc="http://schemas.openxmlformats.org/markup-compatibility/2006" xmlns:a14="http://schemas.microsoft.com/office/drawing/2010/main">
+        <mc:Choice Requires="a14">
           <p:sp>
             <p:nvSpPr>
               <p:cNvPr id="3" name="内容占位符 2"/>
@@ -25241,7 +25536,7 @@
             </p:txBody>
           </p:sp>
         </mc:Choice>
-        <mc:Fallback>
+        <mc:Fallback xmlns="">
           <p:sp>
             <p:nvSpPr>
               <p:cNvPr id="3" name="内容占位符 2"/>
